--- a/docs/PROINZ_TG09.3_susjedi.pptx
+++ b/docs/PROINZ_TG09.3_susjedi.pptx
@@ -19,7 +19,7 @@
     <p:sldId id="282" r:id="rId10"/>
     <p:sldId id="283" r:id="rId11"/>
     <p:sldId id="284" r:id="rId12"/>
-    <p:sldId id="285" r:id="rId13"/>
+    <p:sldId id="288" r:id="rId13"/>
     <p:sldId id="286" r:id="rId14"/>
     <p:sldId id="287" r:id="rId15"/>
     <p:sldId id="271" r:id="rId16"/>
@@ -121,6 +121,11 @@
       </a:defRPr>
     </a:lvl9pPr>
   </p:defaultTextStyle>
+  <p:extLst>
+    <p:ext uri="{EFAFB233-063F-42B5-8137-9DF3F51BA10A}">
+      <p15:sldGuideLst xmlns:p15="http://schemas.microsoft.com/office/powerpoint/2012/main"/>
+    </p:ext>
+  </p:extLst>
 </p:presentation>
 </file>
 
@@ -806,7 +811,7 @@
         <p:cNvPr id="1" name="">
           <a:extLst>
             <a:ext uri="{FF2B5EF4-FFF2-40B4-BE49-F238E27FC236}">
-              <a16:creationId xmlns:a16="http://schemas.microsoft.com/office/drawing/2014/main" id="{7FFFB844-6AC3-BDC0-246E-9A9F9DD2282B}"/>
+              <a16:creationId xmlns:a16="http://schemas.microsoft.com/office/drawing/2014/main" id="{CCD7BAA1-E834-996C-5224-CA749A4565D9}"/>
             </a:ext>
           </a:extLst>
         </p:cNvPr>
@@ -826,7 +831,7 @@
           <p:cNvPr id="2" name="Rezervirano mjesto slike slajda 1">
             <a:extLst>
               <a:ext uri="{FF2B5EF4-FFF2-40B4-BE49-F238E27FC236}">
-                <a16:creationId xmlns:a16="http://schemas.microsoft.com/office/drawing/2014/main" id="{A1D2E5A5-4F66-AC7A-546E-4127B299DC62}"/>
+                <a16:creationId xmlns:a16="http://schemas.microsoft.com/office/drawing/2014/main" id="{EFEF1719-DEBF-4F58-1A67-5550E71F720C}"/>
               </a:ext>
             </a:extLst>
           </p:cNvPr>
@@ -844,7 +849,7 @@
           <p:cNvPr id="3" name="Rezervirano mjesto bilježaka 2">
             <a:extLst>
               <a:ext uri="{FF2B5EF4-FFF2-40B4-BE49-F238E27FC236}">
-                <a16:creationId xmlns:a16="http://schemas.microsoft.com/office/drawing/2014/main" id="{60C1FF42-08CD-B61C-B917-0A947BB017C6}"/>
+                <a16:creationId xmlns:a16="http://schemas.microsoft.com/office/drawing/2014/main" id="{3105C692-AD95-22D8-9788-C4CE0129669F}"/>
               </a:ext>
             </a:extLst>
           </p:cNvPr>
@@ -869,7 +874,7 @@
           <p:cNvPr id="4" name="Rezervirano mjesto broja slajda 3">
             <a:extLst>
               <a:ext uri="{FF2B5EF4-FFF2-40B4-BE49-F238E27FC236}">
-                <a16:creationId xmlns:a16="http://schemas.microsoft.com/office/drawing/2014/main" id="{4C1A0E87-7990-A819-E4C5-5B594086491D}"/>
+                <a16:creationId xmlns:a16="http://schemas.microsoft.com/office/drawing/2014/main" id="{DCE3378D-C22E-4689-6863-6612B68C2720}"/>
               </a:ext>
             </a:extLst>
           </p:cNvPr>
@@ -896,7 +901,7 @@
     </p:spTree>
     <p:extLst>
       <p:ext uri="{BB962C8B-B14F-4D97-AF65-F5344CB8AC3E}">
-        <p14:creationId xmlns:p14="http://schemas.microsoft.com/office/powerpoint/2010/main" val="4140042582"/>
+        <p14:creationId xmlns:p14="http://schemas.microsoft.com/office/powerpoint/2010/main" val="426296611"/>
       </p:ext>
     </p:extLst>
   </p:cSld>
@@ -6112,156 +6117,52 @@
           </a:prstGeom>
         </p:spPr>
       </p:pic>
-      <p:sp>
-        <p:nvSpPr>
-          <p:cNvPr id="5" name="TekstniOkvir 4">
-            <a:extLst>
-              <a:ext uri="{FF2B5EF4-FFF2-40B4-BE49-F238E27FC236}">
-                <a16:creationId xmlns:a16="http://schemas.microsoft.com/office/drawing/2014/main" id="{8161E6F1-A01A-A488-E0E0-5BAA3C0F0E98}"/>
-              </a:ext>
-            </a:extLst>
-          </p:cNvPr>
-          <p:cNvSpPr txBox="1"/>
+      <p:pic>
+        <p:nvPicPr>
+          <p:cNvPr id="3" name="Slika 2" descr="Slika na kojoj se prikazuje dijagram, crta, tekst&#10;&#10;Sadržaj generiran uz AI možda nije točan.">
+            <a:extLst>
+              <a:ext uri="{FF2B5EF4-FFF2-40B4-BE49-F238E27FC236}">
+                <a16:creationId xmlns:a16="http://schemas.microsoft.com/office/drawing/2014/main" id="{F309BB65-0B24-DF60-5B96-8AF7FAF34309}"/>
+              </a:ext>
+            </a:extLst>
+          </p:cNvPr>
+          <p:cNvPicPr>
+            <a:picLocks noChangeAspect="1"/>
+          </p:cNvPicPr>
           <p:nvPr/>
-        </p:nvSpPr>
+        </p:nvPicPr>
+        <p:blipFill>
+          <a:blip r:embed="rId4">
+            <a:extLst>
+              <a:ext uri="{28A0092B-C50C-407E-A947-70E740481C1C}">
+                <a14:useLocalDpi xmlns:a14="http://schemas.microsoft.com/office/drawing/2010/main" val="0"/>
+              </a:ext>
+            </a:extLst>
+          </a:blip>
+          <a:stretch>
+            <a:fillRect/>
+          </a:stretch>
+        </p:blipFill>
         <p:spPr>
           <a:xfrm>
-            <a:off x="4795003" y="3075057"/>
-            <a:ext cx="2601994" cy="707886"/>
+            <a:off x="2576061" y="1357065"/>
+            <a:ext cx="7039878" cy="4714142"/>
           </a:xfrm>
           <a:prstGeom prst="rect">
             <a:avLst/>
           </a:prstGeom>
-          <a:noFill/>
+          <a:ln>
+            <a:noFill/>
+          </a:ln>
+          <a:effectLst>
+            <a:outerShdw blurRad="292100" dist="139700" dir="2700000" algn="tl" rotWithShape="0">
+              <a:srgbClr val="333333">
+                <a:alpha val="65000"/>
+              </a:srgbClr>
+            </a:outerShdw>
+          </a:effectLst>
         </p:spPr>
-        <p:txBody>
-          <a:bodyPr wrap="none" rtlCol="0">
-            <a:spAutoFit/>
-          </a:bodyPr>
-          <a:lstStyle/>
-          <a:p>
-            <a:r>
-              <a:rPr lang="en-GB" sz="4000" dirty="0" err="1">
-                <a:highlight>
-                  <a:srgbClr val="FFFF00"/>
-                </a:highlight>
-              </a:rPr>
-              <a:t>Ubaci</a:t>
-            </a:r>
-            <a:r>
-              <a:rPr lang="en-GB" sz="4000" dirty="0">
-                <a:highlight>
-                  <a:srgbClr val="FFFF00"/>
-                </a:highlight>
-              </a:rPr>
-              <a:t> UML</a:t>
-            </a:r>
-          </a:p>
-        </p:txBody>
-      </p:sp>
-      <p:sp>
-        <p:nvSpPr>
-          <p:cNvPr id="10" name="TekstniOkvir 9">
-            <a:extLst>
-              <a:ext uri="{FF2B5EF4-FFF2-40B4-BE49-F238E27FC236}">
-                <a16:creationId xmlns:a16="http://schemas.microsoft.com/office/drawing/2014/main" id="{C3DAFFE6-42A6-085C-37C9-07E2D3422339}"/>
-              </a:ext>
-            </a:extLst>
-          </p:cNvPr>
-          <p:cNvSpPr txBox="1"/>
-          <p:nvPr/>
-        </p:nvSpPr>
-        <p:spPr>
-          <a:xfrm>
-            <a:off x="5215951" y="3782943"/>
-            <a:ext cx="3571683" cy="461665"/>
-          </a:xfrm>
-          <a:prstGeom prst="rect">
-            <a:avLst/>
-          </a:prstGeom>
-          <a:noFill/>
-        </p:spPr>
-        <p:txBody>
-          <a:bodyPr wrap="none" rtlCol="0">
-            <a:spAutoFit/>
-          </a:bodyPr>
-          <a:lstStyle/>
-          <a:p>
-            <a:r>
-              <a:rPr lang="en-GB" sz="2400" dirty="0">
-                <a:highlight>
-                  <a:srgbClr val="FFFF00"/>
-                </a:highlight>
-              </a:rPr>
-              <a:t>(</a:t>
-            </a:r>
-            <a:r>
-              <a:rPr lang="en-GB" sz="2400" dirty="0" err="1">
-                <a:highlight>
-                  <a:srgbClr val="FFFF00"/>
-                </a:highlight>
-              </a:rPr>
-              <a:t>Ubacim</a:t>
-            </a:r>
-            <a:r>
-              <a:rPr lang="en-GB" sz="2400" dirty="0">
-                <a:highlight>
-                  <a:srgbClr val="FFFF00"/>
-                </a:highlight>
-              </a:rPr>
-              <a:t> </a:t>
-            </a:r>
-            <a:r>
-              <a:rPr lang="en-GB" sz="2400" dirty="0" err="1">
-                <a:highlight>
-                  <a:srgbClr val="FFFF00"/>
-                </a:highlight>
-              </a:rPr>
-              <a:t>kad</a:t>
-            </a:r>
-            <a:r>
-              <a:rPr lang="en-GB" sz="2400" dirty="0">
-                <a:highlight>
-                  <a:srgbClr val="FFFF00"/>
-                </a:highlight>
-              </a:rPr>
-              <a:t> </a:t>
-            </a:r>
-            <a:r>
-              <a:rPr lang="en-GB" sz="2400" dirty="0" err="1">
-                <a:highlight>
-                  <a:srgbClr val="FFFF00"/>
-                </a:highlight>
-              </a:rPr>
-              <a:t>ih</a:t>
-            </a:r>
-            <a:r>
-              <a:rPr lang="en-GB" sz="2400" dirty="0">
-                <a:highlight>
-                  <a:srgbClr val="FFFF00"/>
-                </a:highlight>
-              </a:rPr>
-              <a:t> </a:t>
-            </a:r>
-            <a:r>
-              <a:rPr lang="en-GB" sz="2400" dirty="0" err="1">
-                <a:highlight>
-                  <a:srgbClr val="FFFF00"/>
-                </a:highlight>
-              </a:rPr>
-              <a:t>popravim</a:t>
-            </a:r>
-            <a:r>
-              <a:rPr lang="en-GB" sz="2400" dirty="0">
-                <a:highlight>
-                  <a:srgbClr val="FFFF00"/>
-                </a:highlight>
-              </a:rPr>
-              <a:t>)</a:t>
-            </a:r>
-          </a:p>
-        </p:txBody>
-      </p:sp>
+      </p:pic>
     </p:spTree>
     <p:extLst>
       <p:ext uri="{BB962C8B-B14F-4D97-AF65-F5344CB8AC3E}">
@@ -6617,7 +6518,7 @@
         <p:spPr>
           <a:xfrm>
             <a:off x="689790" y="1441574"/>
-            <a:ext cx="4394640" cy="5132174"/>
+            <a:ext cx="4394640" cy="4208844"/>
           </a:xfrm>
           <a:prstGeom prst="rect">
             <a:avLst/>
@@ -6804,47 +6705,6 @@
               </a:rPr>
               <a:t>Oauth 2.0 standard</a:t>
             </a:r>
-          </a:p>
-          <a:p>
-            <a:pPr marL="342900" indent="-342900" algn="just">
-              <a:lnSpc>
-                <a:spcPct val="150000"/>
-              </a:lnSpc>
-              <a:buClr>
-                <a:srgbClr val="00796B"/>
-              </a:buClr>
-              <a:buFont typeface="Arial" panose="020B0604020202020204" pitchFamily="34" charset="0"/>
-              <a:buChar char="•"/>
-            </a:pPr>
-            <a:r>
-              <a:rPr lang="en-GB" sz="2000" noProof="1">
-                <a:solidFill>
-                  <a:srgbClr val="102A43"/>
-                </a:solidFill>
-                <a:latin typeface="Rajdhani" panose="02000000000000000000" pitchFamily="2" charset="0"/>
-                <a:cs typeface="Rajdhani" panose="02000000000000000000" pitchFamily="2" charset="0"/>
-              </a:rPr>
-              <a:t>GitHub za verzioniranje koda</a:t>
-            </a:r>
-          </a:p>
-          <a:p>
-            <a:pPr marL="342900" indent="-342900" algn="just">
-              <a:lnSpc>
-                <a:spcPct val="150000"/>
-              </a:lnSpc>
-              <a:buClr>
-                <a:srgbClr val="00796B"/>
-              </a:buClr>
-              <a:buFont typeface="Arial" panose="020B0604020202020204" pitchFamily="34" charset="0"/>
-              <a:buChar char="•"/>
-            </a:pPr>
-            <a:endParaRPr lang="en-GB" sz="2000" noProof="1">
-              <a:solidFill>
-                <a:srgbClr val="102A43"/>
-              </a:solidFill>
-              <a:latin typeface="Rajdhani" panose="02000000000000000000" pitchFamily="2" charset="0"/>
-              <a:cs typeface="Rajdhani" panose="02000000000000000000" pitchFamily="2" charset="0"/>
-            </a:endParaRPr>
           </a:p>
         </p:txBody>
       </p:sp>
@@ -7600,7 +7460,7 @@
         <p:cNvPr id="1" name="">
           <a:extLst>
             <a:ext uri="{FF2B5EF4-FFF2-40B4-BE49-F238E27FC236}">
-              <a16:creationId xmlns:a16="http://schemas.microsoft.com/office/drawing/2014/main" id="{4FA7E47D-74A3-5FA7-CE81-D796C9FD530F}"/>
+              <a16:creationId xmlns:a16="http://schemas.microsoft.com/office/drawing/2014/main" id="{B0380F15-B1E5-A959-9FAE-C5842C43708D}"/>
             </a:ext>
           </a:extLst>
         </p:cNvPr>
@@ -7620,7 +7480,7 @@
           <p:cNvPr id="4" name="TekstniOkvir 3">
             <a:extLst>
               <a:ext uri="{FF2B5EF4-FFF2-40B4-BE49-F238E27FC236}">
-                <a16:creationId xmlns:a16="http://schemas.microsoft.com/office/drawing/2014/main" id="{E6AC8360-88E3-6933-79AE-F79A85CFB147}"/>
+                <a16:creationId xmlns:a16="http://schemas.microsoft.com/office/drawing/2014/main" id="{4AC13773-2251-9C3A-D8A4-A850F896CF3B}"/>
               </a:ext>
             </a:extLst>
           </p:cNvPr>
@@ -7689,7 +7549,7 @@
           <p:cNvPr id="6" name="TekstniOkvir 5">
             <a:extLst>
               <a:ext uri="{FF2B5EF4-FFF2-40B4-BE49-F238E27FC236}">
-                <a16:creationId xmlns:a16="http://schemas.microsoft.com/office/drawing/2014/main" id="{7D400FA8-BABF-96C4-3D15-E21D24A98ECF}"/>
+                <a16:creationId xmlns:a16="http://schemas.microsoft.com/office/drawing/2014/main" id="{FEF69773-CC9D-9BE3-C8CF-270F634D382A}"/>
               </a:ext>
             </a:extLst>
           </p:cNvPr>
@@ -7740,7 +7600,7 @@
           <p:cNvPr id="8" name="TekstniOkvir 7">
             <a:extLst>
               <a:ext uri="{FF2B5EF4-FFF2-40B4-BE49-F238E27FC236}">
-                <a16:creationId xmlns:a16="http://schemas.microsoft.com/office/drawing/2014/main" id="{357888C5-3389-7B7C-42FB-7DCCC7A82592}"/>
+                <a16:creationId xmlns:a16="http://schemas.microsoft.com/office/drawing/2014/main" id="{704FC7D4-BCC4-09B8-0024-DF8C61955058}"/>
               </a:ext>
             </a:extLst>
           </p:cNvPr>
@@ -7792,7 +7652,7 @@
           <p:cNvPr id="9" name="Ravni poveznik 8">
             <a:extLst>
               <a:ext uri="{FF2B5EF4-FFF2-40B4-BE49-F238E27FC236}">
-                <a16:creationId xmlns:a16="http://schemas.microsoft.com/office/drawing/2014/main" id="{73B2A78A-A865-7C4B-6EBC-7D2AF8F4CB45}"/>
+                <a16:creationId xmlns:a16="http://schemas.microsoft.com/office/drawing/2014/main" id="{DEC105AD-F88B-A739-F063-C4784EDD5D46}"/>
               </a:ext>
             </a:extLst>
           </p:cNvPr>
@@ -7836,7 +7696,7 @@
           <p:cNvPr id="12" name="TekstniOkvir 11">
             <a:extLst>
               <a:ext uri="{FF2B5EF4-FFF2-40B4-BE49-F238E27FC236}">
-                <a16:creationId xmlns:a16="http://schemas.microsoft.com/office/drawing/2014/main" id="{D4BEBDDC-C376-AE78-FB1C-4EA2951C014F}"/>
+                <a16:creationId xmlns:a16="http://schemas.microsoft.com/office/drawing/2014/main" id="{A3EAECD2-903D-DAA7-4107-BCF7D968082F}"/>
               </a:ext>
             </a:extLst>
           </p:cNvPr>
@@ -7877,7 +7737,7 @@
           <p:cNvPr id="13" name="Slika 12" descr="Slika na kojoj se prikazuje Font, logotip, grafika, tekst&#10;&#10;Sadržaj generiran uz AI možda nije točan.">
             <a:extLst>
               <a:ext uri="{FF2B5EF4-FFF2-40B4-BE49-F238E27FC236}">
-                <a16:creationId xmlns:a16="http://schemas.microsoft.com/office/drawing/2014/main" id="{C8AEF3AE-2506-95F5-4A43-6E5940115E10}"/>
+                <a16:creationId xmlns:a16="http://schemas.microsoft.com/office/drawing/2014/main" id="{FBE2A3E9-B4D3-96C3-A0B7-61B3A65FB77E}"/>
               </a:ext>
             </a:extLst>
           </p:cNvPr>
@@ -7904,10 +7764,10 @@
       </p:pic>
       <p:sp>
         <p:nvSpPr>
-          <p:cNvPr id="2" name="TekstniOkvir 1">
-            <a:extLst>
-              <a:ext uri="{FF2B5EF4-FFF2-40B4-BE49-F238E27FC236}">
-                <a16:creationId xmlns:a16="http://schemas.microsoft.com/office/drawing/2014/main" id="{AD69A8F3-10FD-1DA0-4377-999693AE76AF}"/>
+          <p:cNvPr id="15" name="TekstniOkvir 14">
+            <a:extLst>
+              <a:ext uri="{FF2B5EF4-FFF2-40B4-BE49-F238E27FC236}">
+                <a16:creationId xmlns:a16="http://schemas.microsoft.com/office/drawing/2014/main" id="{E15BC2FD-268D-179D-7606-063019681C31}"/>
               </a:ext>
             </a:extLst>
           </p:cNvPr>
@@ -7916,8 +7776,8 @@
         </p:nvSpPr>
         <p:spPr>
           <a:xfrm>
-            <a:off x="5150741" y="3075057"/>
-            <a:ext cx="1890518" cy="707886"/>
+            <a:off x="5878403" y="4243767"/>
+            <a:ext cx="4394640" cy="977191"/>
           </a:xfrm>
           <a:prstGeom prst="rect">
             <a:avLst/>
@@ -7925,31 +7785,352 @@
           <a:noFill/>
         </p:spPr>
         <p:txBody>
-          <a:bodyPr wrap="none" rtlCol="0">
+          <a:bodyPr wrap="square">
             <a:spAutoFit/>
           </a:bodyPr>
           <a:lstStyle/>
           <a:p>
-            <a:r>
-              <a:rPr lang="en-GB" sz="4000" dirty="0" err="1">
-                <a:highlight>
-                  <a:srgbClr val="FFFF00"/>
-                </a:highlight>
-              </a:rPr>
-              <a:t>Napravi</a:t>
-            </a:r>
-            <a:endParaRPr lang="en-GB" sz="4000" dirty="0">
-              <a:highlight>
-                <a:srgbClr val="FFFF00"/>
-              </a:highlight>
+            <a:pPr algn="just">
+              <a:lnSpc>
+                <a:spcPct val="150000"/>
+              </a:lnSpc>
+              <a:buClr>
+                <a:srgbClr val="00796B"/>
+              </a:buClr>
+            </a:pPr>
+            <a:endParaRPr lang="en-GB" sz="2000" noProof="1">
+              <a:solidFill>
+                <a:srgbClr val="102A43"/>
+              </a:solidFill>
+              <a:latin typeface="Rajdhani" panose="02000000000000000000" pitchFamily="2" charset="0"/>
+              <a:cs typeface="Rajdhani" panose="02000000000000000000" pitchFamily="2" charset="0"/>
             </a:endParaRPr>
+          </a:p>
+          <a:p>
+            <a:pPr marL="342900" indent="-342900" algn="just">
+              <a:lnSpc>
+                <a:spcPct val="150000"/>
+              </a:lnSpc>
+              <a:buClr>
+                <a:srgbClr val="00796B"/>
+              </a:buClr>
+              <a:buFont typeface="Arial" panose="020B0604020202020204" pitchFamily="34" charset="0"/>
+              <a:buChar char="•"/>
+            </a:pPr>
+            <a:endParaRPr lang="en-GB" sz="2000" noProof="1">
+              <a:solidFill>
+                <a:srgbClr val="102A43"/>
+              </a:solidFill>
+              <a:latin typeface="Rajdhani" panose="02000000000000000000" pitchFamily="2" charset="0"/>
+              <a:cs typeface="Rajdhani" panose="02000000000000000000" pitchFamily="2" charset="0"/>
+            </a:endParaRPr>
+          </a:p>
+        </p:txBody>
+      </p:sp>
+      <p:pic>
+        <p:nvPicPr>
+          <p:cNvPr id="17" name="Slika 16">
+            <a:extLst>
+              <a:ext uri="{FF2B5EF4-FFF2-40B4-BE49-F238E27FC236}">
+                <a16:creationId xmlns:a16="http://schemas.microsoft.com/office/drawing/2014/main" id="{B3BE3726-F3F8-1EAB-134D-3DEFA6C10EC8}"/>
+              </a:ext>
+            </a:extLst>
+          </p:cNvPr>
+          <p:cNvPicPr>
+            <a:picLocks noChangeAspect="1"/>
+          </p:cNvPicPr>
+          <p:nvPr/>
+        </p:nvPicPr>
+        <p:blipFill>
+          <a:blip r:embed="rId4"/>
+          <a:stretch>
+            <a:fillRect/>
+          </a:stretch>
+        </p:blipFill>
+        <p:spPr>
+          <a:xfrm>
+            <a:off x="312031" y="1279694"/>
+            <a:ext cx="5444142" cy="3337243"/>
+          </a:xfrm>
+          <a:prstGeom prst="rect">
+            <a:avLst/>
+          </a:prstGeom>
+        </p:spPr>
+      </p:pic>
+      <p:pic>
+        <p:nvPicPr>
+          <p:cNvPr id="19" name="Slika 18">
+            <a:extLst>
+              <a:ext uri="{FF2B5EF4-FFF2-40B4-BE49-F238E27FC236}">
+                <a16:creationId xmlns:a16="http://schemas.microsoft.com/office/drawing/2014/main" id="{F10FA14E-46C5-0D41-2DF9-066062BCC2D1}"/>
+              </a:ext>
+            </a:extLst>
+          </p:cNvPr>
+          <p:cNvPicPr>
+            <a:picLocks noChangeAspect="1"/>
+          </p:cNvPicPr>
+          <p:nvPr/>
+        </p:nvPicPr>
+        <p:blipFill>
+          <a:blip r:embed="rId5"/>
+          <a:stretch>
+            <a:fillRect/>
+          </a:stretch>
+        </p:blipFill>
+        <p:spPr>
+          <a:xfrm>
+            <a:off x="5955749" y="1279694"/>
+            <a:ext cx="5444142" cy="3184110"/>
+          </a:xfrm>
+          <a:prstGeom prst="rect">
+            <a:avLst/>
+          </a:prstGeom>
+        </p:spPr>
+      </p:pic>
+      <p:sp>
+        <p:nvSpPr>
+          <p:cNvPr id="20" name="TekstniOkvir 19">
+            <a:extLst>
+              <a:ext uri="{FF2B5EF4-FFF2-40B4-BE49-F238E27FC236}">
+                <a16:creationId xmlns:a16="http://schemas.microsoft.com/office/drawing/2014/main" id="{76BD3A01-8D96-308C-AAFF-7912A3C7FE53}"/>
+              </a:ext>
+            </a:extLst>
+          </p:cNvPr>
+          <p:cNvSpPr txBox="1"/>
+          <p:nvPr/>
+        </p:nvSpPr>
+        <p:spPr>
+          <a:xfrm>
+            <a:off x="323054" y="4684903"/>
+            <a:ext cx="4947575" cy="1438855"/>
+          </a:xfrm>
+          <a:prstGeom prst="rect">
+            <a:avLst/>
+          </a:prstGeom>
+          <a:noFill/>
+        </p:spPr>
+        <p:txBody>
+          <a:bodyPr wrap="square">
+            <a:spAutoFit/>
+          </a:bodyPr>
+          <a:lstStyle/>
+          <a:p>
+            <a:pPr marL="342900" indent="-342900" algn="just">
+              <a:lnSpc>
+                <a:spcPct val="150000"/>
+              </a:lnSpc>
+              <a:buClr>
+                <a:srgbClr val="00796B"/>
+              </a:buClr>
+              <a:buFont typeface="Arial" panose="020B0604020202020204" pitchFamily="34" charset="0"/>
+              <a:buChar char="•"/>
+            </a:pPr>
+            <a:r>
+              <a:rPr lang="en-GB" sz="2000" noProof="1">
+                <a:solidFill>
+                  <a:srgbClr val="00796B"/>
+                </a:solidFill>
+                <a:latin typeface="Rajdhani SemiBold" panose="02000000000000000000" pitchFamily="2" charset="0"/>
+                <a:cs typeface="Rajdhani SemiBold" panose="02000000000000000000" pitchFamily="2" charset="0"/>
+              </a:rPr>
+              <a:t>WhatsApp</a:t>
+            </a:r>
+            <a:r>
+              <a:rPr lang="en-GB" sz="2000" noProof="1">
+                <a:solidFill>
+                  <a:srgbClr val="102A43"/>
+                </a:solidFill>
+                <a:latin typeface="Rajdhani" panose="02000000000000000000" pitchFamily="2" charset="0"/>
+                <a:cs typeface="Rajdhani" panose="02000000000000000000" pitchFamily="2" charset="0"/>
+              </a:rPr>
+              <a:t> kao primarni kanal komunikacije</a:t>
+            </a:r>
+          </a:p>
+          <a:p>
+            <a:pPr marL="342900" indent="-342900" algn="just">
+              <a:lnSpc>
+                <a:spcPct val="150000"/>
+              </a:lnSpc>
+              <a:buClr>
+                <a:srgbClr val="00796B"/>
+              </a:buClr>
+              <a:buFont typeface="Arial" panose="020B0604020202020204" pitchFamily="34" charset="0"/>
+              <a:buChar char="•"/>
+            </a:pPr>
+            <a:r>
+              <a:rPr lang="en-GB" sz="2000" noProof="1">
+                <a:solidFill>
+                  <a:srgbClr val="102A43"/>
+                </a:solidFill>
+                <a:latin typeface="Rajdhani" panose="02000000000000000000" pitchFamily="2" charset="0"/>
+                <a:cs typeface="Rajdhani" panose="02000000000000000000" pitchFamily="2" charset="0"/>
+              </a:rPr>
+              <a:t>Catch-up </a:t>
+            </a:r>
+            <a:r>
+              <a:rPr lang="en-GB" sz="2000" noProof="1">
+                <a:solidFill>
+                  <a:srgbClr val="00796B"/>
+                </a:solidFill>
+                <a:latin typeface="Rajdhani SemiBold" panose="02000000000000000000" pitchFamily="2" charset="0"/>
+                <a:cs typeface="Rajdhani SemiBold" panose="02000000000000000000" pitchFamily="2" charset="0"/>
+              </a:rPr>
+              <a:t>sastanci</a:t>
+            </a:r>
+            <a:r>
+              <a:rPr lang="en-GB" sz="2000" noProof="1">
+                <a:solidFill>
+                  <a:srgbClr val="102A43"/>
+                </a:solidFill>
+                <a:latin typeface="Rajdhani" panose="02000000000000000000" pitchFamily="2" charset="0"/>
+                <a:cs typeface="Rajdhani" panose="02000000000000000000" pitchFamily="2" charset="0"/>
+              </a:rPr>
+              <a:t> između faza rada</a:t>
+            </a:r>
+          </a:p>
+          <a:p>
+            <a:pPr marL="342900" indent="-342900" algn="just">
+              <a:lnSpc>
+                <a:spcPct val="150000"/>
+              </a:lnSpc>
+              <a:buClr>
+                <a:srgbClr val="00796B"/>
+              </a:buClr>
+              <a:buFont typeface="Arial" panose="020B0604020202020204" pitchFamily="34" charset="0"/>
+              <a:buChar char="•"/>
+            </a:pPr>
+            <a:r>
+              <a:rPr lang="en-GB" sz="2000" noProof="1">
+                <a:solidFill>
+                  <a:srgbClr val="00796B"/>
+                </a:solidFill>
+                <a:latin typeface="Rajdhani SemiBold" panose="02000000000000000000" pitchFamily="2" charset="0"/>
+                <a:cs typeface="Rajdhani SemiBold" panose="02000000000000000000" pitchFamily="2" charset="0"/>
+              </a:rPr>
+              <a:t>GitHub</a:t>
+            </a:r>
+            <a:r>
+              <a:rPr lang="en-GB" sz="2000" noProof="1">
+                <a:solidFill>
+                  <a:srgbClr val="102A43"/>
+                </a:solidFill>
+                <a:latin typeface="Rajdhani" panose="02000000000000000000" pitchFamily="2" charset="0"/>
+                <a:cs typeface="Rajdhani" panose="02000000000000000000" pitchFamily="2" charset="0"/>
+              </a:rPr>
+              <a:t> za verzioniranje koda</a:t>
+            </a:r>
+          </a:p>
+        </p:txBody>
+      </p:sp>
+      <p:sp>
+        <p:nvSpPr>
+          <p:cNvPr id="21" name="TekstniOkvir 20">
+            <a:extLst>
+              <a:ext uri="{FF2B5EF4-FFF2-40B4-BE49-F238E27FC236}">
+                <a16:creationId xmlns:a16="http://schemas.microsoft.com/office/drawing/2014/main" id="{681C6635-25A6-FFE5-6429-A1BC1F48AFB7}"/>
+              </a:ext>
+            </a:extLst>
+          </p:cNvPr>
+          <p:cNvSpPr txBox="1"/>
+          <p:nvPr/>
+        </p:nvSpPr>
+        <p:spPr>
+          <a:xfrm>
+            <a:off x="6055275" y="4684903"/>
+            <a:ext cx="4947575" cy="1438855"/>
+          </a:xfrm>
+          <a:prstGeom prst="rect">
+            <a:avLst/>
+          </a:prstGeom>
+          <a:noFill/>
+        </p:spPr>
+        <p:txBody>
+          <a:bodyPr wrap="square">
+            <a:spAutoFit/>
+          </a:bodyPr>
+          <a:lstStyle/>
+          <a:p>
+            <a:pPr marL="342900" indent="-342900" algn="just">
+              <a:lnSpc>
+                <a:spcPct val="150000"/>
+              </a:lnSpc>
+              <a:buClr>
+                <a:srgbClr val="00796B"/>
+              </a:buClr>
+              <a:buFont typeface="Arial" panose="020B0604020202020204" pitchFamily="34" charset="0"/>
+              <a:buChar char="•"/>
+            </a:pPr>
+            <a:r>
+              <a:rPr lang="en-GB" sz="2000" noProof="1">
+                <a:solidFill>
+                  <a:srgbClr val="102A43"/>
+                </a:solidFill>
+                <a:latin typeface="Rajdhani" panose="02000000000000000000" pitchFamily="2" charset="0"/>
+                <a:cs typeface="Rajdhani" panose="02000000000000000000" pitchFamily="2" charset="0"/>
+              </a:rPr>
+              <a:t>Podjela u </a:t>
+            </a:r>
+            <a:r>
+              <a:rPr lang="en-GB" sz="2000" noProof="1">
+                <a:solidFill>
+                  <a:srgbClr val="00796B"/>
+                </a:solidFill>
+                <a:latin typeface="Rajdhani SemiBold" panose="02000000000000000000" pitchFamily="2" charset="0"/>
+                <a:cs typeface="Rajdhani SemiBold" panose="02000000000000000000" pitchFamily="2" charset="0"/>
+              </a:rPr>
+              <a:t>dva tima</a:t>
+            </a:r>
+          </a:p>
+          <a:p>
+            <a:pPr marL="800100" lvl="1" indent="-342900" algn="just">
+              <a:lnSpc>
+                <a:spcPct val="150000"/>
+              </a:lnSpc>
+              <a:buClr>
+                <a:srgbClr val="00796B"/>
+              </a:buClr>
+              <a:buFont typeface="Arial" panose="020B0604020202020204" pitchFamily="34" charset="0"/>
+              <a:buChar char="•"/>
+            </a:pPr>
+            <a:r>
+              <a:rPr lang="en-GB" sz="2000" noProof="1">
+                <a:solidFill>
+                  <a:srgbClr val="102A43"/>
+                </a:solidFill>
+                <a:latin typeface="Rajdhani" panose="02000000000000000000" pitchFamily="2" charset="0"/>
+                <a:cs typeface="Rajdhani" panose="02000000000000000000" pitchFamily="2" charset="0"/>
+              </a:rPr>
+              <a:t>Izgradnja aplikacije</a:t>
+            </a:r>
+          </a:p>
+          <a:p>
+            <a:pPr marL="800100" lvl="1" indent="-342900" algn="just">
+              <a:lnSpc>
+                <a:spcPct val="150000"/>
+              </a:lnSpc>
+              <a:buClr>
+                <a:srgbClr val="00796B"/>
+              </a:buClr>
+              <a:buFont typeface="Arial" panose="020B0604020202020204" pitchFamily="34" charset="0"/>
+              <a:buChar char="•"/>
+            </a:pPr>
+            <a:r>
+              <a:rPr lang="en-GB" sz="2000" noProof="1">
+                <a:solidFill>
+                  <a:srgbClr val="102A43"/>
+                </a:solidFill>
+                <a:latin typeface="Rajdhani" panose="02000000000000000000" pitchFamily="2" charset="0"/>
+                <a:cs typeface="Rajdhani" panose="02000000000000000000" pitchFamily="2" charset="0"/>
+              </a:rPr>
+              <a:t>Dokumentacija</a:t>
+            </a:r>
           </a:p>
         </p:txBody>
       </p:sp>
     </p:spTree>
     <p:extLst>
       <p:ext uri="{BB962C8B-B14F-4D97-AF65-F5344CB8AC3E}">
-        <p14:creationId xmlns:p14="http://schemas.microsoft.com/office/powerpoint/2010/main" val="3141485860"/>
+        <p14:creationId xmlns:p14="http://schemas.microsoft.com/office/powerpoint/2010/main" val="485772370"/>
       </p:ext>
     </p:extLst>
   </p:cSld>
@@ -8483,8 +8664,8 @@
         </p:nvSpPr>
         <p:spPr>
           <a:xfrm>
-            <a:off x="128433" y="264033"/>
-            <a:ext cx="986167" cy="1015663"/>
+            <a:off x="206979" y="264033"/>
+            <a:ext cx="907621" cy="1015663"/>
           </a:xfrm>
           <a:prstGeom prst="rect">
             <a:avLst/>
@@ -8516,7 +8697,7 @@
                 <a:latin typeface="Rajdhani SemiBold" panose="02000000000000000000" pitchFamily="2" charset="0"/>
                 <a:cs typeface="Rajdhani SemiBold" panose="02000000000000000000" pitchFamily="2" charset="0"/>
               </a:rPr>
-              <a:t>6</a:t>
+              <a:t>7</a:t>
             </a:r>
           </a:p>
         </p:txBody>
@@ -8638,10 +8819,10 @@
       </p:pic>
       <p:sp>
         <p:nvSpPr>
-          <p:cNvPr id="3" name="TekstniOkvir 2">
-            <a:extLst>
-              <a:ext uri="{FF2B5EF4-FFF2-40B4-BE49-F238E27FC236}">
-                <a16:creationId xmlns:a16="http://schemas.microsoft.com/office/drawing/2014/main" id="{C05F84FC-3E1E-5AEF-B4DC-EFE5812CF3CE}"/>
+          <p:cNvPr id="2" name="TekstniOkvir 1">
+            <a:extLst>
+              <a:ext uri="{FF2B5EF4-FFF2-40B4-BE49-F238E27FC236}">
+                <a16:creationId xmlns:a16="http://schemas.microsoft.com/office/drawing/2014/main" id="{2C9453CE-866A-EF6A-649B-ACC0AF54C462}"/>
               </a:ext>
             </a:extLst>
           </p:cNvPr>
@@ -8650,8 +8831,8 @@
         </p:nvSpPr>
         <p:spPr>
           <a:xfrm>
-            <a:off x="5150741" y="3075057"/>
-            <a:ext cx="1890518" cy="707886"/>
+            <a:off x="1114600" y="1279694"/>
+            <a:ext cx="8139577" cy="4670509"/>
           </a:xfrm>
           <a:prstGeom prst="rect">
             <a:avLst/>
@@ -8659,24 +8840,201 @@
           <a:noFill/>
         </p:spPr>
         <p:txBody>
-          <a:bodyPr wrap="none" rtlCol="0">
+          <a:bodyPr wrap="square">
             <a:spAutoFit/>
           </a:bodyPr>
           <a:lstStyle/>
           <a:p>
-            <a:r>
-              <a:rPr lang="en-GB" sz="4000" dirty="0" err="1">
-                <a:highlight>
-                  <a:srgbClr val="FFFF00"/>
-                </a:highlight>
-              </a:rPr>
-              <a:t>Napravi</a:t>
-            </a:r>
-            <a:endParaRPr lang="en-GB" sz="4000" dirty="0">
-              <a:highlight>
-                <a:srgbClr val="FFFF00"/>
-              </a:highlight>
-            </a:endParaRPr>
+            <a:pPr algn="just">
+              <a:lnSpc>
+                <a:spcPct val="150000"/>
+              </a:lnSpc>
+              <a:buClr>
+                <a:srgbClr val="00796B"/>
+              </a:buClr>
+            </a:pPr>
+            <a:r>
+              <a:rPr lang="en-GB" sz="2000" noProof="1">
+                <a:solidFill>
+                  <a:srgbClr val="00796B"/>
+                </a:solidFill>
+                <a:latin typeface="Rajdhani SemiBold" panose="02000000000000000000" pitchFamily="2" charset="0"/>
+                <a:cs typeface="Rajdhani SemiBold" panose="02000000000000000000" pitchFamily="2" charset="0"/>
+              </a:rPr>
+              <a:t>Što smo naučili?</a:t>
+            </a:r>
+          </a:p>
+          <a:p>
+            <a:pPr marL="342900" indent="-342900" algn="just">
+              <a:lnSpc>
+                <a:spcPct val="150000"/>
+              </a:lnSpc>
+              <a:buClr>
+                <a:srgbClr val="00796B"/>
+              </a:buClr>
+              <a:buFont typeface="Arial" panose="020B0604020202020204" pitchFamily="34" charset="0"/>
+              <a:buChar char="•"/>
+            </a:pPr>
+            <a:r>
+              <a:rPr lang="en-GB" sz="2000" noProof="1">
+                <a:solidFill>
+                  <a:srgbClr val="102A43"/>
+                </a:solidFill>
+                <a:latin typeface="Rajdhani" panose="02000000000000000000" pitchFamily="2" charset="0"/>
+                <a:cs typeface="Rajdhani" panose="02000000000000000000" pitchFamily="2" charset="0"/>
+              </a:rPr>
+              <a:t>Prošli smo kroz proces izrade potpune aplikacije, od backenda i frontenda do povezivanja s bazom podataka i postavljanja aplikacije na poslužitelja</a:t>
+            </a:r>
+          </a:p>
+          <a:p>
+            <a:pPr marL="342900" indent="-342900" algn="just">
+              <a:lnSpc>
+                <a:spcPct val="150000"/>
+              </a:lnSpc>
+              <a:buClr>
+                <a:srgbClr val="00796B"/>
+              </a:buClr>
+              <a:buFont typeface="Arial" panose="020B0604020202020204" pitchFamily="34" charset="0"/>
+              <a:buChar char="•"/>
+            </a:pPr>
+            <a:r>
+              <a:rPr lang="en-GB" sz="2000" noProof="1">
+                <a:solidFill>
+                  <a:srgbClr val="102A43"/>
+                </a:solidFill>
+                <a:latin typeface="Rajdhani" panose="02000000000000000000" pitchFamily="2" charset="0"/>
+                <a:cs typeface="Rajdhani" panose="02000000000000000000" pitchFamily="2" charset="0"/>
+              </a:rPr>
+              <a:t>Važnost korištenja alata za verzioniranja na kompleksnijim projektima</a:t>
+            </a:r>
+          </a:p>
+          <a:p>
+            <a:pPr algn="just">
+              <a:lnSpc>
+                <a:spcPct val="150000"/>
+              </a:lnSpc>
+              <a:buClr>
+                <a:srgbClr val="00796B"/>
+              </a:buClr>
+            </a:pPr>
+            <a:r>
+              <a:rPr lang="en-GB" sz="2000" noProof="1">
+                <a:solidFill>
+                  <a:srgbClr val="00796B"/>
+                </a:solidFill>
+                <a:latin typeface="Rajdhani SemiBold" panose="02000000000000000000" pitchFamily="2" charset="0"/>
+                <a:cs typeface="Rajdhani SemiBold" panose="02000000000000000000" pitchFamily="2" charset="0"/>
+              </a:rPr>
+              <a:t>Ključni izazovi</a:t>
+            </a:r>
+          </a:p>
+          <a:p>
+            <a:pPr marL="342900" indent="-342900" algn="just">
+              <a:lnSpc>
+                <a:spcPct val="150000"/>
+              </a:lnSpc>
+              <a:buClr>
+                <a:srgbClr val="00796B"/>
+              </a:buClr>
+              <a:buFont typeface="Arial" panose="020B0604020202020204" pitchFamily="34" charset="0"/>
+              <a:buChar char="•"/>
+            </a:pPr>
+            <a:r>
+              <a:rPr lang="en-GB" sz="2000" noProof="1">
+                <a:solidFill>
+                  <a:srgbClr val="102A43"/>
+                </a:solidFill>
+                <a:latin typeface="Rajdhani" panose="02000000000000000000" pitchFamily="2" charset="0"/>
+                <a:cs typeface="Rajdhani" panose="02000000000000000000" pitchFamily="2" charset="0"/>
+              </a:rPr>
+              <a:t>Organizacija unutar tima, raspodjela uloga i poslova</a:t>
+            </a:r>
+          </a:p>
+          <a:p>
+            <a:pPr marL="342900" indent="-342900" algn="just">
+              <a:lnSpc>
+                <a:spcPct val="150000"/>
+              </a:lnSpc>
+              <a:buClr>
+                <a:srgbClr val="00796B"/>
+              </a:buClr>
+              <a:buFont typeface="Arial" panose="020B0604020202020204" pitchFamily="34" charset="0"/>
+              <a:buChar char="•"/>
+            </a:pPr>
+            <a:r>
+              <a:rPr lang="en-GB" sz="2000" noProof="1">
+                <a:solidFill>
+                  <a:srgbClr val="102A43"/>
+                </a:solidFill>
+                <a:latin typeface="Rajdhani" panose="02000000000000000000" pitchFamily="2" charset="0"/>
+                <a:cs typeface="Rajdhani" panose="02000000000000000000" pitchFamily="2" charset="0"/>
+              </a:rPr>
+              <a:t>Zadržavanje motivacije</a:t>
+            </a:r>
+          </a:p>
+          <a:p>
+            <a:pPr algn="just">
+              <a:lnSpc>
+                <a:spcPct val="150000"/>
+              </a:lnSpc>
+              <a:buClr>
+                <a:srgbClr val="00796B"/>
+              </a:buClr>
+            </a:pPr>
+            <a:r>
+              <a:rPr lang="en-GB" sz="2000" noProof="1">
+                <a:solidFill>
+                  <a:srgbClr val="00796B"/>
+                </a:solidFill>
+                <a:latin typeface="Rajdhani SemiBold" panose="02000000000000000000" pitchFamily="2" charset="0"/>
+                <a:cs typeface="Rajdhani SemiBold" panose="02000000000000000000" pitchFamily="2" charset="0"/>
+              </a:rPr>
+              <a:t>Rješenja</a:t>
+            </a:r>
+          </a:p>
+          <a:p>
+            <a:pPr marL="342900" indent="-342900" algn="just">
+              <a:lnSpc>
+                <a:spcPct val="150000"/>
+              </a:lnSpc>
+              <a:buClr>
+                <a:srgbClr val="00796B"/>
+              </a:buClr>
+              <a:buFont typeface="Arial" panose="020B0604020202020204" pitchFamily="34" charset="0"/>
+              <a:buChar char="•"/>
+            </a:pPr>
+            <a:r>
+              <a:rPr lang="en-GB" sz="2000" noProof="1">
+                <a:solidFill>
+                  <a:srgbClr val="102A43"/>
+                </a:solidFill>
+                <a:latin typeface="Rajdhani" panose="02000000000000000000" pitchFamily="2" charset="0"/>
+                <a:cs typeface="Rajdhani" panose="02000000000000000000" pitchFamily="2" charset="0"/>
+              </a:rPr>
+              <a:t>Individualni pristup članovima</a:t>
+            </a:r>
+          </a:p>
+          <a:p>
+            <a:pPr marL="342900" indent="-342900" algn="just">
+              <a:lnSpc>
+                <a:spcPct val="150000"/>
+              </a:lnSpc>
+              <a:buClr>
+                <a:srgbClr val="00796B"/>
+              </a:buClr>
+              <a:buFont typeface="Arial" panose="020B0604020202020204" pitchFamily="34" charset="0"/>
+              <a:buChar char="•"/>
+            </a:pPr>
+            <a:r>
+              <a:rPr lang="en-GB" sz="2000" noProof="1">
+                <a:solidFill>
+                  <a:srgbClr val="102A43"/>
+                </a:solidFill>
+                <a:latin typeface="Rajdhani" panose="02000000000000000000" pitchFamily="2" charset="0"/>
+                <a:cs typeface="Rajdhani" panose="02000000000000000000" pitchFamily="2" charset="0"/>
+              </a:rPr>
+              <a:t>Raščlanjivanje zadataka na manje podzadatke</a:t>
+            </a:r>
           </a:p>
         </p:txBody>
       </p:sp>
@@ -9425,8 +9783,8 @@
         </p:nvSpPr>
         <p:spPr>
           <a:xfrm>
-            <a:off x="643128" y="1441574"/>
-            <a:ext cx="4381016" cy="3370153"/>
+            <a:off x="643127" y="1441574"/>
+            <a:ext cx="7271837" cy="3370153"/>
           </a:xfrm>
           <a:prstGeom prst="rect">
             <a:avLst/>
@@ -9451,10 +9809,23 @@
             </a:pPr>
             <a:r>
               <a:rPr lang="en-GB" sz="2400" noProof="1">
+                <a:solidFill>
+                  <a:srgbClr val="00796B"/>
+                </a:solidFill>
+                <a:latin typeface="Rajdhani SemiBold" panose="02000000000000000000" pitchFamily="2" charset="0"/>
+                <a:cs typeface="Rajdhani SemiBold" panose="02000000000000000000" pitchFamily="2" charset="0"/>
+              </a:rPr>
+              <a:t>Petar Ćurić </a:t>
+            </a:r>
+            <a:r>
+              <a:rPr lang="en-GB" sz="2400" noProof="1">
+                <a:solidFill>
+                  <a:srgbClr val="102A43"/>
+                </a:solidFill>
                 <a:latin typeface="Rajdhani" panose="02000000000000000000" pitchFamily="2" charset="0"/>
                 <a:cs typeface="Rajdhani" panose="02000000000000000000" pitchFamily="2" charset="0"/>
               </a:rPr>
-              <a:t>Petar Ćurić</a:t>
+              <a:t>– Dizajn Web Aplikacije</a:t>
             </a:r>
           </a:p>
           <a:p>
@@ -9470,10 +9841,23 @@
             </a:pPr>
             <a:r>
               <a:rPr lang="en-GB" sz="2400" noProof="1">
+                <a:solidFill>
+                  <a:srgbClr val="00796B"/>
+                </a:solidFill>
+                <a:latin typeface="Rajdhani SemiBold" panose="02000000000000000000" pitchFamily="2" charset="0"/>
+                <a:cs typeface="Rajdhani SemiBold" panose="02000000000000000000" pitchFamily="2" charset="0"/>
+              </a:rPr>
+              <a:t>Andro Gabaj </a:t>
+            </a:r>
+            <a:r>
+              <a:rPr lang="en-GB" sz="2400" noProof="1">
+                <a:solidFill>
+                  <a:srgbClr val="102A43"/>
+                </a:solidFill>
                 <a:latin typeface="Rajdhani" panose="02000000000000000000" pitchFamily="2" charset="0"/>
                 <a:cs typeface="Rajdhani" panose="02000000000000000000" pitchFamily="2" charset="0"/>
               </a:rPr>
-              <a:t>Andro Gabaj</a:t>
+              <a:t>– Dokumentacija, Software Tester</a:t>
             </a:r>
           </a:p>
           <a:p>
@@ -9489,10 +9873,23 @@
             </a:pPr>
             <a:r>
               <a:rPr lang="en-GB" sz="2400" noProof="1">
+                <a:solidFill>
+                  <a:srgbClr val="00796B"/>
+                </a:solidFill>
+                <a:latin typeface="Rajdhani SemiBold" panose="02000000000000000000" pitchFamily="2" charset="0"/>
+                <a:cs typeface="Rajdhani SemiBold" panose="02000000000000000000" pitchFamily="2" charset="0"/>
+              </a:rPr>
+              <a:t>Matej Glavaš </a:t>
+            </a:r>
+            <a:r>
+              <a:rPr lang="en-GB" sz="2400" noProof="1">
+                <a:solidFill>
+                  <a:srgbClr val="102A43"/>
+                </a:solidFill>
                 <a:latin typeface="Rajdhani" panose="02000000000000000000" pitchFamily="2" charset="0"/>
                 <a:cs typeface="Rajdhani" panose="02000000000000000000" pitchFamily="2" charset="0"/>
               </a:rPr>
-              <a:t>Matej Glavaš</a:t>
+              <a:t>– Full Stack Developer, Dokumentacija</a:t>
             </a:r>
           </a:p>
           <a:p>
@@ -9508,10 +9905,23 @@
             </a:pPr>
             <a:r>
               <a:rPr lang="en-GB" sz="2400" noProof="1">
+                <a:solidFill>
+                  <a:srgbClr val="00796B"/>
+                </a:solidFill>
+                <a:latin typeface="Rajdhani SemiBold" panose="02000000000000000000" pitchFamily="2" charset="0"/>
+                <a:cs typeface="Rajdhani SemiBold" panose="02000000000000000000" pitchFamily="2" charset="0"/>
+              </a:rPr>
+              <a:t>Ante Ivančić </a:t>
+            </a:r>
+            <a:r>
+              <a:rPr lang="en-GB" sz="2400" noProof="1">
+                <a:solidFill>
+                  <a:srgbClr val="102A43"/>
+                </a:solidFill>
                 <a:latin typeface="Rajdhani" panose="02000000000000000000" pitchFamily="2" charset="0"/>
                 <a:cs typeface="Rajdhani" panose="02000000000000000000" pitchFamily="2" charset="0"/>
               </a:rPr>
-              <a:t>Ante Ivančić</a:t>
+              <a:t>– Dokumentacija, Prezentacija</a:t>
             </a:r>
           </a:p>
           <a:p>
@@ -9527,10 +9937,23 @@
             </a:pPr>
             <a:r>
               <a:rPr lang="en-GB" sz="2400" noProof="1">
+                <a:solidFill>
+                  <a:srgbClr val="00796B"/>
+                </a:solidFill>
+                <a:latin typeface="Rajdhani SemiBold" panose="02000000000000000000" pitchFamily="2" charset="0"/>
+                <a:cs typeface="Rajdhani SemiBold" panose="02000000000000000000" pitchFamily="2" charset="0"/>
+              </a:rPr>
+              <a:t>Filip Matijević </a:t>
+            </a:r>
+            <a:r>
+              <a:rPr lang="en-GB" sz="2400" noProof="1">
+                <a:solidFill>
+                  <a:srgbClr val="102A43"/>
+                </a:solidFill>
                 <a:latin typeface="Rajdhani" panose="02000000000000000000" pitchFamily="2" charset="0"/>
                 <a:cs typeface="Rajdhani" panose="02000000000000000000" pitchFamily="2" charset="0"/>
               </a:rPr>
-              <a:t>Filip Matijević</a:t>
+              <a:t>– Full Stack Developer, Dokumentacija</a:t>
             </a:r>
           </a:p>
           <a:p>
@@ -9546,87 +9969,14 @@
             </a:pPr>
             <a:r>
               <a:rPr lang="en-GB" sz="2400" noProof="1">
-                <a:latin typeface="Rajdhani" panose="02000000000000000000" pitchFamily="2" charset="0"/>
-                <a:cs typeface="Rajdhani" panose="02000000000000000000" pitchFamily="2" charset="0"/>
+                <a:solidFill>
+                  <a:srgbClr val="00796B"/>
+                </a:solidFill>
+                <a:latin typeface="Rajdhani SemiBold" panose="02000000000000000000" pitchFamily="2" charset="0"/>
+                <a:cs typeface="Rajdhani SemiBold" panose="02000000000000000000" pitchFamily="2" charset="0"/>
               </a:rPr>
               <a:t>Jakov Schramadei</a:t>
             </a:r>
-          </a:p>
-        </p:txBody>
-      </p:sp>
-      <p:sp>
-        <p:nvSpPr>
-          <p:cNvPr id="5" name="TekstniOkvir 4">
-            <a:extLst>
-              <a:ext uri="{FF2B5EF4-FFF2-40B4-BE49-F238E27FC236}">
-                <a16:creationId xmlns:a16="http://schemas.microsoft.com/office/drawing/2014/main" id="{881E7002-3978-BBE9-0E2B-7EEE58E8949C}"/>
-              </a:ext>
-            </a:extLst>
-          </p:cNvPr>
-          <p:cNvSpPr txBox="1"/>
-          <p:nvPr/>
-        </p:nvSpPr>
-        <p:spPr>
-          <a:xfrm>
-            <a:off x="4728032" y="2958021"/>
-            <a:ext cx="6308650" cy="707886"/>
-          </a:xfrm>
-          <a:prstGeom prst="rect">
-            <a:avLst/>
-          </a:prstGeom>
-          <a:noFill/>
-        </p:spPr>
-        <p:txBody>
-          <a:bodyPr wrap="none" rtlCol="0">
-            <a:spAutoFit/>
-          </a:bodyPr>
-          <a:lstStyle/>
-          <a:p>
-            <a:r>
-              <a:rPr lang="en-GB" sz="4000" dirty="0" err="1">
-                <a:highlight>
-                  <a:srgbClr val="FFFF00"/>
-                </a:highlight>
-              </a:rPr>
-              <a:t>Ubaci</a:t>
-            </a:r>
-            <a:r>
-              <a:rPr lang="en-GB" sz="4000" dirty="0">
-                <a:highlight>
-                  <a:srgbClr val="FFFF00"/>
-                </a:highlight>
-              </a:rPr>
-              <a:t> </a:t>
-            </a:r>
-            <a:r>
-              <a:rPr lang="en-GB" sz="4000" dirty="0" err="1">
-                <a:highlight>
-                  <a:srgbClr val="FFFF00"/>
-                </a:highlight>
-              </a:rPr>
-              <a:t>odgovornosti</a:t>
-            </a:r>
-            <a:r>
-              <a:rPr lang="en-GB" sz="4000" dirty="0">
-                <a:highlight>
-                  <a:srgbClr val="FFFF00"/>
-                </a:highlight>
-              </a:rPr>
-              <a:t> </a:t>
-            </a:r>
-            <a:r>
-              <a:rPr lang="en-GB" sz="4000" dirty="0" err="1">
-                <a:highlight>
-                  <a:srgbClr val="FFFF00"/>
-                </a:highlight>
-              </a:rPr>
-              <a:t>članova</a:t>
-            </a:r>
-            <a:endParaRPr lang="en-GB" sz="4000" dirty="0">
-              <a:highlight>
-                <a:srgbClr val="FFFF00"/>
-              </a:highlight>
-            </a:endParaRPr>
           </a:p>
         </p:txBody>
       </p:sp>
@@ -13175,7 +13525,13 @@
           <p:cNvGraphicFramePr>
             <a:graphicFrameLocks noGrp="1"/>
           </p:cNvGraphicFramePr>
-          <p:nvPr/>
+          <p:nvPr>
+            <p:extLst>
+              <p:ext uri="{D42A27DB-BD31-4B8C-83A1-F6EECF244321}">
+                <p14:modId xmlns:p14="http://schemas.microsoft.com/office/powerpoint/2010/main" val="105489667"/>
+              </p:ext>
+            </p:extLst>
+          </p:nvPr>
         </p:nvGraphicFramePr>
         <p:xfrm>
           <a:off x="1960884" y="1590658"/>
@@ -13339,6 +13695,9 @@
                     <a:p>
                       <a:r>
                         <a:rPr lang="en-GB" sz="2000" dirty="0">
+                          <a:solidFill>
+                            <a:srgbClr val="102A43"/>
+                          </a:solidFill>
                           <a:latin typeface="Rajdhani Medium" panose="02000000000000000000" pitchFamily="2" charset="0"/>
                           <a:cs typeface="Rajdhani Medium" panose="02000000000000000000" pitchFamily="2" charset="0"/>
                         </a:rPr>
@@ -13392,6 +13751,9 @@
                     <a:p>
                       <a:r>
                         <a:rPr lang="en-GB" sz="2000" dirty="0" err="1">
+                          <a:solidFill>
+                            <a:srgbClr val="102A43"/>
+                          </a:solidFill>
                           <a:latin typeface="Rajdhani Medium" panose="02000000000000000000" pitchFamily="2" charset="0"/>
                           <a:cs typeface="Rajdhani Medium" panose="02000000000000000000" pitchFamily="2" charset="0"/>
                         </a:rPr>
@@ -13399,6 +13761,9 @@
                       </a:r>
                       <a:r>
                         <a:rPr lang="en-GB" sz="2000" dirty="0">
+                          <a:solidFill>
+                            <a:srgbClr val="102A43"/>
+                          </a:solidFill>
                           <a:latin typeface="Rajdhani Medium" panose="02000000000000000000" pitchFamily="2" charset="0"/>
                           <a:cs typeface="Rajdhani Medium" panose="02000000000000000000" pitchFamily="2" charset="0"/>
                         </a:rPr>
@@ -13406,6 +13771,9 @@
                       </a:r>
                       <a:r>
                         <a:rPr lang="en-GB" sz="2000" dirty="0" err="1">
+                          <a:solidFill>
+                            <a:srgbClr val="102A43"/>
+                          </a:solidFill>
                           <a:latin typeface="Rajdhani Medium" panose="02000000000000000000" pitchFamily="2" charset="0"/>
                           <a:cs typeface="Rajdhani Medium" panose="02000000000000000000" pitchFamily="2" charset="0"/>
                         </a:rPr>
@@ -13413,6 +13781,9 @@
                       </a:r>
                       <a:r>
                         <a:rPr lang="en-GB" sz="2000" dirty="0">
+                          <a:solidFill>
+                            <a:srgbClr val="102A43"/>
+                          </a:solidFill>
                           <a:latin typeface="Rajdhani Medium" panose="02000000000000000000" pitchFamily="2" charset="0"/>
                           <a:cs typeface="Rajdhani Medium" panose="02000000000000000000" pitchFamily="2" charset="0"/>
                         </a:rPr>
@@ -13420,6 +13791,9 @@
                       </a:r>
                       <a:r>
                         <a:rPr lang="en-GB" sz="2000" dirty="0" err="1">
+                          <a:solidFill>
+                            <a:srgbClr val="102A43"/>
+                          </a:solidFill>
                           <a:latin typeface="Rajdhani Medium" panose="02000000000000000000" pitchFamily="2" charset="0"/>
                           <a:cs typeface="Rajdhani Medium" panose="02000000000000000000" pitchFamily="2" charset="0"/>
                         </a:rPr>
@@ -13427,6 +13801,9 @@
                       </a:r>
                       <a:r>
                         <a:rPr lang="en-GB" sz="2000" dirty="0">
+                          <a:solidFill>
+                            <a:srgbClr val="102A43"/>
+                          </a:solidFill>
                           <a:latin typeface="Rajdhani Medium" panose="02000000000000000000" pitchFamily="2" charset="0"/>
                           <a:cs typeface="Rajdhani Medium" panose="02000000000000000000" pitchFamily="2" charset="0"/>
                         </a:rPr>
@@ -13434,6 +13811,9 @@
                       </a:r>
                       <a:r>
                         <a:rPr lang="en-GB" sz="2000" dirty="0" err="1">
+                          <a:solidFill>
+                            <a:srgbClr val="102A43"/>
+                          </a:solidFill>
                           <a:latin typeface="Rajdhani Medium" panose="02000000000000000000" pitchFamily="2" charset="0"/>
                           <a:cs typeface="Rajdhani Medium" panose="02000000000000000000" pitchFamily="2" charset="0"/>
                         </a:rPr>
@@ -13441,6 +13821,9 @@
                       </a:r>
                       <a:r>
                         <a:rPr lang="en-GB" sz="2000" dirty="0">
+                          <a:solidFill>
+                            <a:srgbClr val="102A43"/>
+                          </a:solidFill>
                           <a:latin typeface="Rajdhani Medium" panose="02000000000000000000" pitchFamily="2" charset="0"/>
                           <a:cs typeface="Rajdhani Medium" panose="02000000000000000000" pitchFamily="2" charset="0"/>
                         </a:rPr>
@@ -13448,6 +13831,9 @@
                       </a:r>
                       <a:r>
                         <a:rPr lang="en-GB" sz="2000" dirty="0" err="1">
+                          <a:solidFill>
+                            <a:srgbClr val="102A43"/>
+                          </a:solidFill>
                           <a:latin typeface="Rajdhani Medium" panose="02000000000000000000" pitchFamily="2" charset="0"/>
                           <a:cs typeface="Rajdhani Medium" panose="02000000000000000000" pitchFamily="2" charset="0"/>
                         </a:rPr>
@@ -13455,6 +13841,9 @@
                       </a:r>
                       <a:r>
                         <a:rPr lang="en-GB" sz="2000" dirty="0">
+                          <a:solidFill>
+                            <a:srgbClr val="102A43"/>
+                          </a:solidFill>
                           <a:latin typeface="Rajdhani Medium" panose="02000000000000000000" pitchFamily="2" charset="0"/>
                           <a:cs typeface="Rajdhani Medium" panose="02000000000000000000" pitchFamily="2" charset="0"/>
                         </a:rPr>
@@ -13462,6 +13851,9 @@
                       </a:r>
                       <a:r>
                         <a:rPr lang="en-GB" sz="2000" dirty="0" err="1">
+                          <a:solidFill>
+                            <a:srgbClr val="102A43"/>
+                          </a:solidFill>
                           <a:latin typeface="Rajdhani Medium" panose="02000000000000000000" pitchFamily="2" charset="0"/>
                           <a:cs typeface="Rajdhani Medium" panose="02000000000000000000" pitchFamily="2" charset="0"/>
                         </a:rPr>
@@ -13469,6 +13861,9 @@
                       </a:r>
                       <a:r>
                         <a:rPr lang="en-GB" sz="2000" dirty="0">
+                          <a:solidFill>
+                            <a:srgbClr val="102A43"/>
+                          </a:solidFill>
                           <a:latin typeface="Rajdhani Medium" panose="02000000000000000000" pitchFamily="2" charset="0"/>
                           <a:cs typeface="Rajdhani Medium" panose="02000000000000000000" pitchFamily="2" charset="0"/>
                         </a:rPr>
@@ -13476,12 +13871,18 @@
                       </a:r>
                       <a:r>
                         <a:rPr lang="en-GB" sz="2000" dirty="0" err="1">
+                          <a:solidFill>
+                            <a:srgbClr val="102A43"/>
+                          </a:solidFill>
                           <a:latin typeface="Rajdhani Medium" panose="02000000000000000000" pitchFamily="2" charset="0"/>
                           <a:cs typeface="Rajdhani Medium" panose="02000000000000000000" pitchFamily="2" charset="0"/>
                         </a:rPr>
                         <a:t>sastanka</a:t>
                       </a:r>
                       <a:endParaRPr lang="en-GB" sz="2000" dirty="0">
+                        <a:solidFill>
+                          <a:srgbClr val="102A43"/>
+                        </a:solidFill>
                         <a:latin typeface="Rajdhani Medium" panose="02000000000000000000" pitchFamily="2" charset="0"/>
                         <a:cs typeface="Rajdhani Medium" panose="02000000000000000000" pitchFamily="2" charset="0"/>
                       </a:endParaRPr>
@@ -13540,6 +13941,9 @@
                     <a:p>
                       <a:r>
                         <a:rPr lang="en-GB" sz="2000" dirty="0">
+                          <a:solidFill>
+                            <a:srgbClr val="102A43"/>
+                          </a:solidFill>
                           <a:latin typeface="Rajdhani Medium" panose="02000000000000000000" pitchFamily="2" charset="0"/>
                           <a:cs typeface="Rajdhani Medium" panose="02000000000000000000" pitchFamily="2" charset="0"/>
                         </a:rPr>
@@ -13593,6 +13997,9 @@
                     <a:p>
                       <a:r>
                         <a:rPr lang="en-GB" sz="2000" dirty="0" err="1">
+                          <a:solidFill>
+                            <a:srgbClr val="102A43"/>
+                          </a:solidFill>
                           <a:latin typeface="Rajdhani Medium" panose="02000000000000000000" pitchFamily="2" charset="0"/>
                           <a:cs typeface="Rajdhani Medium" panose="02000000000000000000" pitchFamily="2" charset="0"/>
                         </a:rPr>
@@ -13600,6 +14007,9 @@
                       </a:r>
                       <a:r>
                         <a:rPr lang="en-GB" sz="2000" dirty="0">
+                          <a:solidFill>
+                            <a:srgbClr val="102A43"/>
+                          </a:solidFill>
                           <a:latin typeface="Rajdhani Medium" panose="02000000000000000000" pitchFamily="2" charset="0"/>
                           <a:cs typeface="Rajdhani Medium" panose="02000000000000000000" pitchFamily="2" charset="0"/>
                         </a:rPr>
@@ -13607,6 +14017,9 @@
                       </a:r>
                       <a:r>
                         <a:rPr lang="en-GB" sz="2000" dirty="0" err="1">
+                          <a:solidFill>
+                            <a:srgbClr val="102A43"/>
+                          </a:solidFill>
                           <a:latin typeface="Rajdhani Medium" panose="02000000000000000000" pitchFamily="2" charset="0"/>
                           <a:cs typeface="Rajdhani Medium" panose="02000000000000000000" pitchFamily="2" charset="0"/>
                         </a:rPr>
@@ -13614,6 +14027,9 @@
                       </a:r>
                       <a:r>
                         <a:rPr lang="en-GB" sz="2000" dirty="0">
+                          <a:solidFill>
+                            <a:srgbClr val="102A43"/>
+                          </a:solidFill>
                           <a:latin typeface="Rajdhani Medium" panose="02000000000000000000" pitchFamily="2" charset="0"/>
                           <a:cs typeface="Rajdhani Medium" panose="02000000000000000000" pitchFamily="2" charset="0"/>
                         </a:rPr>
@@ -13621,6 +14037,9 @@
                       </a:r>
                       <a:r>
                         <a:rPr lang="en-GB" sz="2000" dirty="0" err="1">
+                          <a:solidFill>
+                            <a:srgbClr val="102A43"/>
+                          </a:solidFill>
                           <a:latin typeface="Rajdhani Medium" panose="02000000000000000000" pitchFamily="2" charset="0"/>
                           <a:cs typeface="Rajdhani Medium" panose="02000000000000000000" pitchFamily="2" charset="0"/>
                         </a:rPr>
@@ -13628,6 +14047,9 @@
                       </a:r>
                       <a:r>
                         <a:rPr lang="en-GB" sz="2000" dirty="0">
+                          <a:solidFill>
+                            <a:srgbClr val="102A43"/>
+                          </a:solidFill>
                           <a:latin typeface="Rajdhani Medium" panose="02000000000000000000" pitchFamily="2" charset="0"/>
                           <a:cs typeface="Rajdhani Medium" panose="02000000000000000000" pitchFamily="2" charset="0"/>
                         </a:rPr>
@@ -13635,6 +14057,9 @@
                       </a:r>
                       <a:r>
                         <a:rPr lang="en-GB" sz="2000" dirty="0" err="1">
+                          <a:solidFill>
+                            <a:srgbClr val="102A43"/>
+                          </a:solidFill>
                           <a:latin typeface="Rajdhani Medium" panose="02000000000000000000" pitchFamily="2" charset="0"/>
                           <a:cs typeface="Rajdhani Medium" panose="02000000000000000000" pitchFamily="2" charset="0"/>
                         </a:rPr>
@@ -13642,6 +14067,9 @@
                       </a:r>
                       <a:r>
                         <a:rPr lang="en-GB" sz="2000" dirty="0">
+                          <a:solidFill>
+                            <a:srgbClr val="102A43"/>
+                          </a:solidFill>
                           <a:latin typeface="Rajdhani Medium" panose="02000000000000000000" pitchFamily="2" charset="0"/>
                           <a:cs typeface="Rajdhani Medium" panose="02000000000000000000" pitchFamily="2" charset="0"/>
                         </a:rPr>
@@ -13649,6 +14077,9 @@
                       </a:r>
                       <a:r>
                         <a:rPr lang="en-GB" sz="2000" dirty="0" err="1">
+                          <a:solidFill>
+                            <a:srgbClr val="102A43"/>
+                          </a:solidFill>
                           <a:latin typeface="Rajdhani Medium" panose="02000000000000000000" pitchFamily="2" charset="0"/>
                           <a:cs typeface="Rajdhani Medium" panose="02000000000000000000" pitchFamily="2" charset="0"/>
                         </a:rPr>
@@ -13656,6 +14087,9 @@
                       </a:r>
                       <a:r>
                         <a:rPr lang="en-GB" sz="2000" dirty="0">
+                          <a:solidFill>
+                            <a:srgbClr val="102A43"/>
+                          </a:solidFill>
                           <a:latin typeface="Rajdhani Medium" panose="02000000000000000000" pitchFamily="2" charset="0"/>
                           <a:cs typeface="Rajdhani Medium" panose="02000000000000000000" pitchFamily="2" charset="0"/>
                         </a:rPr>
@@ -13663,6 +14097,9 @@
                       </a:r>
                       <a:r>
                         <a:rPr lang="en-GB" sz="2000" dirty="0" err="1">
+                          <a:solidFill>
+                            <a:srgbClr val="102A43"/>
+                          </a:solidFill>
                           <a:latin typeface="Rajdhani Medium" panose="02000000000000000000" pitchFamily="2" charset="0"/>
                           <a:cs typeface="Rajdhani Medium" panose="02000000000000000000" pitchFamily="2" charset="0"/>
                         </a:rPr>
@@ -13670,6 +14107,9 @@
                       </a:r>
                       <a:r>
                         <a:rPr lang="en-GB" sz="2000" dirty="0">
+                          <a:solidFill>
+                            <a:srgbClr val="102A43"/>
+                          </a:solidFill>
                           <a:latin typeface="Rajdhani Medium" panose="02000000000000000000" pitchFamily="2" charset="0"/>
                           <a:cs typeface="Rajdhani Medium" panose="02000000000000000000" pitchFamily="2" charset="0"/>
                         </a:rPr>
@@ -13677,6 +14117,9 @@
                       </a:r>
                       <a:r>
                         <a:rPr lang="en-GB" sz="2000" dirty="0" err="1">
+                          <a:solidFill>
+                            <a:srgbClr val="102A43"/>
+                          </a:solidFill>
                           <a:latin typeface="Rajdhani Medium" panose="02000000000000000000" pitchFamily="2" charset="0"/>
                           <a:cs typeface="Rajdhani Medium" panose="02000000000000000000" pitchFamily="2" charset="0"/>
                         </a:rPr>
@@ -13684,6 +14127,9 @@
                       </a:r>
                       <a:r>
                         <a:rPr lang="en-GB" sz="2000" dirty="0">
+                          <a:solidFill>
+                            <a:srgbClr val="102A43"/>
+                          </a:solidFill>
                           <a:latin typeface="Rajdhani Medium" panose="02000000000000000000" pitchFamily="2" charset="0"/>
                           <a:cs typeface="Rajdhani Medium" panose="02000000000000000000" pitchFamily="2" charset="0"/>
                         </a:rPr>
@@ -13691,6 +14137,9 @@
                       </a:r>
                       <a:r>
                         <a:rPr lang="en-GB" sz="2000" dirty="0" err="1">
+                          <a:solidFill>
+                            <a:srgbClr val="102A43"/>
+                          </a:solidFill>
                           <a:latin typeface="Rajdhani Medium" panose="02000000000000000000" pitchFamily="2" charset="0"/>
                           <a:cs typeface="Rajdhani Medium" panose="02000000000000000000" pitchFamily="2" charset="0"/>
                         </a:rPr>
@@ -13698,6 +14147,9 @@
                       </a:r>
                       <a:r>
                         <a:rPr lang="en-GB" sz="2000" dirty="0">
+                          <a:solidFill>
+                            <a:srgbClr val="102A43"/>
+                          </a:solidFill>
                           <a:latin typeface="Rajdhani Medium" panose="02000000000000000000" pitchFamily="2" charset="0"/>
                           <a:cs typeface="Rajdhani Medium" panose="02000000000000000000" pitchFamily="2" charset="0"/>
                         </a:rPr>
@@ -13705,6 +14157,9 @@
                       </a:r>
                       <a:r>
                         <a:rPr lang="en-GB" sz="2000" dirty="0" err="1">
+                          <a:solidFill>
+                            <a:srgbClr val="102A43"/>
+                          </a:solidFill>
                           <a:latin typeface="Rajdhani Medium" panose="02000000000000000000" pitchFamily="2" charset="0"/>
                           <a:cs typeface="Rajdhani Medium" panose="02000000000000000000" pitchFamily="2" charset="0"/>
                         </a:rPr>
@@ -13712,6 +14167,9 @@
                       </a:r>
                       <a:r>
                         <a:rPr lang="en-GB" sz="2000" dirty="0">
+                          <a:solidFill>
+                            <a:srgbClr val="102A43"/>
+                          </a:solidFill>
                           <a:latin typeface="Rajdhani Medium" panose="02000000000000000000" pitchFamily="2" charset="0"/>
                           <a:cs typeface="Rajdhani Medium" panose="02000000000000000000" pitchFamily="2" charset="0"/>
                         </a:rPr>
@@ -13719,6 +14177,9 @@
                       </a:r>
                       <a:r>
                         <a:rPr lang="en-GB" sz="2000" dirty="0" err="1">
+                          <a:solidFill>
+                            <a:srgbClr val="102A43"/>
+                          </a:solidFill>
                           <a:latin typeface="Rajdhani Medium" panose="02000000000000000000" pitchFamily="2" charset="0"/>
                           <a:cs typeface="Rajdhani Medium" panose="02000000000000000000" pitchFamily="2" charset="0"/>
                         </a:rPr>
@@ -13726,6 +14187,9 @@
                       </a:r>
                       <a:r>
                         <a:rPr lang="en-GB" sz="2000" dirty="0">
+                          <a:solidFill>
+                            <a:srgbClr val="102A43"/>
+                          </a:solidFill>
                           <a:latin typeface="Rajdhani Medium" panose="02000000000000000000" pitchFamily="2" charset="0"/>
                           <a:cs typeface="Rajdhani Medium" panose="02000000000000000000" pitchFamily="2" charset="0"/>
                         </a:rPr>
@@ -13733,12 +14197,18 @@
                       </a:r>
                       <a:r>
                         <a:rPr lang="en-GB" sz="2000" dirty="0" err="1">
+                          <a:solidFill>
+                            <a:srgbClr val="102A43"/>
+                          </a:solidFill>
                           <a:latin typeface="Rajdhani Medium" panose="02000000000000000000" pitchFamily="2" charset="0"/>
                           <a:cs typeface="Rajdhani Medium" panose="02000000000000000000" pitchFamily="2" charset="0"/>
                         </a:rPr>
                         <a:t>učinka</a:t>
                       </a:r>
                       <a:endParaRPr lang="en-GB" sz="2000" dirty="0">
+                        <a:solidFill>
+                          <a:srgbClr val="102A43"/>
+                        </a:solidFill>
                         <a:latin typeface="Rajdhani Medium" panose="02000000000000000000" pitchFamily="2" charset="0"/>
                         <a:cs typeface="Rajdhani Medium" panose="02000000000000000000" pitchFamily="2" charset="0"/>
                       </a:endParaRPr>
@@ -13797,6 +14267,9 @@
                     <a:p>
                       <a:r>
                         <a:rPr lang="en-GB" sz="2000" dirty="0">
+                          <a:solidFill>
+                            <a:srgbClr val="102A43"/>
+                          </a:solidFill>
                           <a:latin typeface="Rajdhani Medium" panose="02000000000000000000" pitchFamily="2" charset="0"/>
                           <a:cs typeface="Rajdhani Medium" panose="02000000000000000000" pitchFamily="2" charset="0"/>
                         </a:rPr>
@@ -13850,6 +14323,9 @@
                     <a:p>
                       <a:r>
                         <a:rPr lang="en-GB" sz="2000" dirty="0" err="1">
+                          <a:solidFill>
+                            <a:srgbClr val="102A43"/>
+                          </a:solidFill>
                           <a:latin typeface="Rajdhani Medium" panose="02000000000000000000" pitchFamily="2" charset="0"/>
                           <a:cs typeface="Rajdhani Medium" panose="02000000000000000000" pitchFamily="2" charset="0"/>
                         </a:rPr>
@@ -13857,6 +14333,9 @@
                       </a:r>
                       <a:r>
                         <a:rPr lang="en-GB" sz="2000" dirty="0">
+                          <a:solidFill>
+                            <a:srgbClr val="102A43"/>
+                          </a:solidFill>
                           <a:latin typeface="Rajdhani Medium" panose="02000000000000000000" pitchFamily="2" charset="0"/>
                           <a:cs typeface="Rajdhani Medium" panose="02000000000000000000" pitchFamily="2" charset="0"/>
                         </a:rPr>
@@ -13864,6 +14343,9 @@
                       </a:r>
                       <a:r>
                         <a:rPr lang="en-GB" sz="2000" dirty="0" err="1">
+                          <a:solidFill>
+                            <a:srgbClr val="102A43"/>
+                          </a:solidFill>
                           <a:latin typeface="Rajdhani Medium" panose="02000000000000000000" pitchFamily="2" charset="0"/>
                           <a:cs typeface="Rajdhani Medium" panose="02000000000000000000" pitchFamily="2" charset="0"/>
                         </a:rPr>
@@ -13871,6 +14353,9 @@
                       </a:r>
                       <a:r>
                         <a:rPr lang="en-GB" sz="2000" dirty="0">
+                          <a:solidFill>
+                            <a:srgbClr val="102A43"/>
+                          </a:solidFill>
                           <a:latin typeface="Rajdhani Medium" panose="02000000000000000000" pitchFamily="2" charset="0"/>
                           <a:cs typeface="Rajdhani Medium" panose="02000000000000000000" pitchFamily="2" charset="0"/>
                         </a:rPr>
@@ -13878,6 +14363,9 @@
                       </a:r>
                       <a:r>
                         <a:rPr lang="en-GB" sz="2000" dirty="0" err="1">
+                          <a:solidFill>
+                            <a:srgbClr val="102A43"/>
+                          </a:solidFill>
                           <a:latin typeface="Rajdhani Medium" panose="02000000000000000000" pitchFamily="2" charset="0"/>
                           <a:cs typeface="Rajdhani Medium" panose="02000000000000000000" pitchFamily="2" charset="0"/>
                         </a:rPr>
@@ -13885,6 +14373,9 @@
                       </a:r>
                       <a:r>
                         <a:rPr lang="en-GB" sz="2000" dirty="0">
+                          <a:solidFill>
+                            <a:srgbClr val="102A43"/>
+                          </a:solidFill>
                           <a:latin typeface="Rajdhani Medium" panose="02000000000000000000" pitchFamily="2" charset="0"/>
                           <a:cs typeface="Rajdhani Medium" panose="02000000000000000000" pitchFamily="2" charset="0"/>
                         </a:rPr>
@@ -13892,6 +14383,9 @@
                       </a:r>
                       <a:r>
                         <a:rPr lang="en-GB" sz="2000" dirty="0" err="1">
+                          <a:solidFill>
+                            <a:srgbClr val="102A43"/>
+                          </a:solidFill>
                           <a:latin typeface="Rajdhani Medium" panose="02000000000000000000" pitchFamily="2" charset="0"/>
                           <a:cs typeface="Rajdhani Medium" panose="02000000000000000000" pitchFamily="2" charset="0"/>
                         </a:rPr>
@@ -13899,6 +14393,9 @@
                       </a:r>
                       <a:r>
                         <a:rPr lang="en-GB" sz="2000" dirty="0">
+                          <a:solidFill>
+                            <a:srgbClr val="102A43"/>
+                          </a:solidFill>
                           <a:latin typeface="Rajdhani Medium" panose="02000000000000000000" pitchFamily="2" charset="0"/>
                           <a:cs typeface="Rajdhani Medium" panose="02000000000000000000" pitchFamily="2" charset="0"/>
                         </a:rPr>
@@ -13906,6 +14403,9 @@
                       </a:r>
                       <a:r>
                         <a:rPr lang="en-GB" sz="2000" dirty="0" err="1">
+                          <a:solidFill>
+                            <a:srgbClr val="102A43"/>
+                          </a:solidFill>
                           <a:latin typeface="Rajdhani Medium" panose="02000000000000000000" pitchFamily="2" charset="0"/>
                           <a:cs typeface="Rajdhani Medium" panose="02000000000000000000" pitchFamily="2" charset="0"/>
                         </a:rPr>
@@ -13913,6 +14413,9 @@
                       </a:r>
                       <a:r>
                         <a:rPr lang="en-GB" sz="2000" dirty="0">
+                          <a:solidFill>
+                            <a:srgbClr val="102A43"/>
+                          </a:solidFill>
                           <a:latin typeface="Rajdhani Medium" panose="02000000000000000000" pitchFamily="2" charset="0"/>
                           <a:cs typeface="Rajdhani Medium" panose="02000000000000000000" pitchFamily="2" charset="0"/>
                         </a:rPr>
@@ -13920,6 +14423,9 @@
                       </a:r>
                       <a:r>
                         <a:rPr lang="en-GB" sz="2000" dirty="0" err="1">
+                          <a:solidFill>
+                            <a:srgbClr val="102A43"/>
+                          </a:solidFill>
                           <a:latin typeface="Rajdhani Medium" panose="02000000000000000000" pitchFamily="2" charset="0"/>
                           <a:cs typeface="Rajdhani Medium" panose="02000000000000000000" pitchFamily="2" charset="0"/>
                         </a:rPr>
@@ -13927,6 +14433,9 @@
                       </a:r>
                       <a:r>
                         <a:rPr lang="en-GB" sz="2000" dirty="0">
+                          <a:solidFill>
+                            <a:srgbClr val="102A43"/>
+                          </a:solidFill>
                           <a:latin typeface="Rajdhani Medium" panose="02000000000000000000" pitchFamily="2" charset="0"/>
                           <a:cs typeface="Rajdhani Medium" panose="02000000000000000000" pitchFamily="2" charset="0"/>
                         </a:rPr>
@@ -13934,6 +14443,9 @@
                       </a:r>
                       <a:r>
                         <a:rPr lang="en-GB" sz="2000" dirty="0" err="1">
+                          <a:solidFill>
+                            <a:srgbClr val="102A43"/>
+                          </a:solidFill>
                           <a:latin typeface="Rajdhani Medium" panose="02000000000000000000" pitchFamily="2" charset="0"/>
                           <a:cs typeface="Rajdhani Medium" panose="02000000000000000000" pitchFamily="2" charset="0"/>
                         </a:rPr>
@@ -13941,6 +14453,9 @@
                       </a:r>
                       <a:r>
                         <a:rPr lang="en-GB" sz="2000" dirty="0">
+                          <a:solidFill>
+                            <a:srgbClr val="102A43"/>
+                          </a:solidFill>
                           <a:latin typeface="Rajdhani Medium" panose="02000000000000000000" pitchFamily="2" charset="0"/>
                           <a:cs typeface="Rajdhani Medium" panose="02000000000000000000" pitchFamily="2" charset="0"/>
                         </a:rPr>
@@ -14001,6 +14516,9 @@
                     <a:p>
                       <a:r>
                         <a:rPr lang="en-GB" sz="2000" dirty="0">
+                          <a:solidFill>
+                            <a:srgbClr val="102A43"/>
+                          </a:solidFill>
                           <a:latin typeface="Rajdhani Medium" panose="02000000000000000000" pitchFamily="2" charset="0"/>
                           <a:cs typeface="Rajdhani Medium" panose="02000000000000000000" pitchFamily="2" charset="0"/>
                         </a:rPr>
@@ -14054,6 +14572,9 @@
                     <a:p>
                       <a:r>
                         <a:rPr lang="en-GB" sz="2000" dirty="0" err="1">
+                          <a:solidFill>
+                            <a:srgbClr val="102A43"/>
+                          </a:solidFill>
                           <a:latin typeface="Rajdhani Medium" panose="02000000000000000000" pitchFamily="2" charset="0"/>
                           <a:cs typeface="Rajdhani Medium" panose="02000000000000000000" pitchFamily="2" charset="0"/>
                         </a:rPr>
@@ -14061,6 +14582,9 @@
                       </a:r>
                       <a:r>
                         <a:rPr lang="en-GB" sz="2000" dirty="0">
+                          <a:solidFill>
+                            <a:srgbClr val="102A43"/>
+                          </a:solidFill>
                           <a:latin typeface="Rajdhani Medium" panose="02000000000000000000" pitchFamily="2" charset="0"/>
                           <a:cs typeface="Rajdhani Medium" panose="02000000000000000000" pitchFamily="2" charset="0"/>
                         </a:rPr>
@@ -14068,6 +14592,9 @@
                       </a:r>
                       <a:r>
                         <a:rPr lang="en-GB" sz="2000" dirty="0" err="1">
+                          <a:solidFill>
+                            <a:srgbClr val="102A43"/>
+                          </a:solidFill>
                           <a:latin typeface="Rajdhani Medium" panose="02000000000000000000" pitchFamily="2" charset="0"/>
                           <a:cs typeface="Rajdhani Medium" panose="02000000000000000000" pitchFamily="2" charset="0"/>
                         </a:rPr>
@@ -14075,6 +14602,9 @@
                       </a:r>
                       <a:r>
                         <a:rPr lang="en-GB" sz="2000" dirty="0">
+                          <a:solidFill>
+                            <a:srgbClr val="102A43"/>
+                          </a:solidFill>
                           <a:latin typeface="Rajdhani Medium" panose="02000000000000000000" pitchFamily="2" charset="0"/>
                           <a:cs typeface="Rajdhani Medium" panose="02000000000000000000" pitchFamily="2" charset="0"/>
                         </a:rPr>
@@ -14082,6 +14612,9 @@
                       </a:r>
                       <a:r>
                         <a:rPr lang="en-GB" sz="2000" dirty="0" err="1">
+                          <a:solidFill>
+                            <a:srgbClr val="102A43"/>
+                          </a:solidFill>
                           <a:latin typeface="Rajdhani Medium" panose="02000000000000000000" pitchFamily="2" charset="0"/>
                           <a:cs typeface="Rajdhani Medium" panose="02000000000000000000" pitchFamily="2" charset="0"/>
                         </a:rPr>
@@ -14089,6 +14622,9 @@
                       </a:r>
                       <a:r>
                         <a:rPr lang="en-GB" sz="2000" dirty="0">
+                          <a:solidFill>
+                            <a:srgbClr val="102A43"/>
+                          </a:solidFill>
                           <a:latin typeface="Rajdhani Medium" panose="02000000000000000000" pitchFamily="2" charset="0"/>
                           <a:cs typeface="Rajdhani Medium" panose="02000000000000000000" pitchFamily="2" charset="0"/>
                         </a:rPr>
@@ -14096,6 +14632,9 @@
                       </a:r>
                       <a:r>
                         <a:rPr lang="en-GB" sz="2000" dirty="0" err="1">
+                          <a:solidFill>
+                            <a:srgbClr val="102A43"/>
+                          </a:solidFill>
                           <a:latin typeface="Rajdhani Medium" panose="02000000000000000000" pitchFamily="2" charset="0"/>
                           <a:cs typeface="Rajdhani Medium" panose="02000000000000000000" pitchFamily="2" charset="0"/>
                         </a:rPr>
@@ -14103,6 +14642,9 @@
                       </a:r>
                       <a:r>
                         <a:rPr lang="en-GB" sz="2000" dirty="0">
+                          <a:solidFill>
+                            <a:srgbClr val="102A43"/>
+                          </a:solidFill>
                           <a:latin typeface="Rajdhani Medium" panose="02000000000000000000" pitchFamily="2" charset="0"/>
                           <a:cs typeface="Rajdhani Medium" panose="02000000000000000000" pitchFamily="2" charset="0"/>
                         </a:rPr>
@@ -14110,6 +14652,9 @@
                       </a:r>
                       <a:r>
                         <a:rPr lang="en-GB" sz="2000" dirty="0" err="1">
+                          <a:solidFill>
+                            <a:srgbClr val="102A43"/>
+                          </a:solidFill>
                           <a:latin typeface="Rajdhani Medium" panose="02000000000000000000" pitchFamily="2" charset="0"/>
                           <a:cs typeface="Rajdhani Medium" panose="02000000000000000000" pitchFamily="2" charset="0"/>
                         </a:rPr>
@@ -14117,6 +14662,9 @@
                       </a:r>
                       <a:r>
                         <a:rPr lang="en-GB" sz="2000" dirty="0">
+                          <a:solidFill>
+                            <a:srgbClr val="102A43"/>
+                          </a:solidFill>
                           <a:latin typeface="Rajdhani Medium" panose="02000000000000000000" pitchFamily="2" charset="0"/>
                           <a:cs typeface="Rajdhani Medium" panose="02000000000000000000" pitchFamily="2" charset="0"/>
                         </a:rPr>
@@ -14124,6 +14672,9 @@
                       </a:r>
                       <a:r>
                         <a:rPr lang="en-GB" sz="2000" dirty="0" err="1">
+                          <a:solidFill>
+                            <a:srgbClr val="102A43"/>
+                          </a:solidFill>
                           <a:latin typeface="Rajdhani Medium" panose="02000000000000000000" pitchFamily="2" charset="0"/>
                           <a:cs typeface="Rajdhani Medium" panose="02000000000000000000" pitchFamily="2" charset="0"/>
                         </a:rPr>
@@ -14131,6 +14682,9 @@
                       </a:r>
                       <a:r>
                         <a:rPr lang="en-GB" sz="2000" dirty="0">
+                          <a:solidFill>
+                            <a:srgbClr val="102A43"/>
+                          </a:solidFill>
                           <a:latin typeface="Rajdhani Medium" panose="02000000000000000000" pitchFamily="2" charset="0"/>
                           <a:cs typeface="Rajdhani Medium" panose="02000000000000000000" pitchFamily="2" charset="0"/>
                         </a:rPr>
@@ -14138,6 +14692,9 @@
                       </a:r>
                       <a:r>
                         <a:rPr lang="en-GB" sz="2000" dirty="0" err="1">
+                          <a:solidFill>
+                            <a:srgbClr val="102A43"/>
+                          </a:solidFill>
                           <a:latin typeface="Rajdhani Medium" panose="02000000000000000000" pitchFamily="2" charset="0"/>
                           <a:cs typeface="Rajdhani Medium" panose="02000000000000000000" pitchFamily="2" charset="0"/>
                         </a:rPr>
@@ -14145,6 +14702,9 @@
                       </a:r>
                       <a:r>
                         <a:rPr lang="en-GB" sz="2000" dirty="0">
+                          <a:solidFill>
+                            <a:srgbClr val="102A43"/>
+                          </a:solidFill>
                           <a:latin typeface="Rajdhani Medium" panose="02000000000000000000" pitchFamily="2" charset="0"/>
                           <a:cs typeface="Rajdhani Medium" panose="02000000000000000000" pitchFamily="2" charset="0"/>
                         </a:rPr>
@@ -14152,6 +14712,9 @@
                       </a:r>
                       <a:r>
                         <a:rPr lang="en-GB" sz="2000" dirty="0" err="1">
+                          <a:solidFill>
+                            <a:srgbClr val="102A43"/>
+                          </a:solidFill>
                           <a:latin typeface="Rajdhani Medium" panose="02000000000000000000" pitchFamily="2" charset="0"/>
                           <a:cs typeface="Rajdhani Medium" panose="02000000000000000000" pitchFamily="2" charset="0"/>
                         </a:rPr>
@@ -14159,6 +14722,9 @@
                       </a:r>
                       <a:r>
                         <a:rPr lang="en-GB" sz="2000" dirty="0">
+                          <a:solidFill>
+                            <a:srgbClr val="102A43"/>
+                          </a:solidFill>
                           <a:latin typeface="Rajdhani Medium" panose="02000000000000000000" pitchFamily="2" charset="0"/>
                           <a:cs typeface="Rajdhani Medium" panose="02000000000000000000" pitchFamily="2" charset="0"/>
                         </a:rPr>
@@ -14166,12 +14732,18 @@
                       </a:r>
                       <a:r>
                         <a:rPr lang="en-GB" sz="2000" dirty="0" err="1">
+                          <a:solidFill>
+                            <a:srgbClr val="102A43"/>
+                          </a:solidFill>
                           <a:latin typeface="Rajdhani Medium" panose="02000000000000000000" pitchFamily="2" charset="0"/>
                           <a:cs typeface="Rajdhani Medium" panose="02000000000000000000" pitchFamily="2" charset="0"/>
                         </a:rPr>
                         <a:t>StanBlog</a:t>
                       </a:r>
                       <a:endParaRPr lang="en-GB" sz="2000" dirty="0">
+                        <a:solidFill>
+                          <a:srgbClr val="102A43"/>
+                        </a:solidFill>
                         <a:latin typeface="Rajdhani Medium" panose="02000000000000000000" pitchFamily="2" charset="0"/>
                         <a:cs typeface="Rajdhani Medium" panose="02000000000000000000" pitchFamily="2" charset="0"/>
                       </a:endParaRPr>
@@ -14230,6 +14802,9 @@
                     <a:p>
                       <a:r>
                         <a:rPr lang="en-GB" sz="2000" dirty="0">
+                          <a:solidFill>
+                            <a:srgbClr val="102A43"/>
+                          </a:solidFill>
                           <a:latin typeface="Rajdhani Medium" panose="02000000000000000000" pitchFamily="2" charset="0"/>
                           <a:cs typeface="Rajdhani Medium" panose="02000000000000000000" pitchFamily="2" charset="0"/>
                         </a:rPr>
@@ -14283,6 +14858,9 @@
                     <a:p>
                       <a:r>
                         <a:rPr lang="en-GB" sz="2000" dirty="0" err="1">
+                          <a:solidFill>
+                            <a:srgbClr val="102A43"/>
+                          </a:solidFill>
                           <a:latin typeface="Rajdhani Medium" panose="02000000000000000000" pitchFamily="2" charset="0"/>
                           <a:cs typeface="Rajdhani Medium" panose="02000000000000000000" pitchFamily="2" charset="0"/>
                         </a:rPr>
@@ -14290,6 +14868,9 @@
                       </a:r>
                       <a:r>
                         <a:rPr lang="en-GB" sz="2000" dirty="0">
+                          <a:solidFill>
+                            <a:srgbClr val="102A43"/>
+                          </a:solidFill>
                           <a:latin typeface="Rajdhani Medium" panose="02000000000000000000" pitchFamily="2" charset="0"/>
                           <a:cs typeface="Rajdhani Medium" panose="02000000000000000000" pitchFamily="2" charset="0"/>
                         </a:rPr>
@@ -14297,6 +14878,9 @@
                       </a:r>
                       <a:r>
                         <a:rPr lang="en-GB" sz="2000" dirty="0" err="1">
+                          <a:solidFill>
+                            <a:srgbClr val="102A43"/>
+                          </a:solidFill>
                           <a:latin typeface="Rajdhani Medium" panose="02000000000000000000" pitchFamily="2" charset="0"/>
                           <a:cs typeface="Rajdhani Medium" panose="02000000000000000000" pitchFamily="2" charset="0"/>
                         </a:rPr>
@@ -14304,6 +14888,9 @@
                       </a:r>
                       <a:r>
                         <a:rPr lang="en-GB" sz="2000" dirty="0">
+                          <a:solidFill>
+                            <a:srgbClr val="102A43"/>
+                          </a:solidFill>
                           <a:latin typeface="Rajdhani Medium" panose="02000000000000000000" pitchFamily="2" charset="0"/>
                           <a:cs typeface="Rajdhani Medium" panose="02000000000000000000" pitchFamily="2" charset="0"/>
                         </a:rPr>
@@ -14311,6 +14898,9 @@
                       </a:r>
                       <a:r>
                         <a:rPr lang="en-GB" sz="2000" dirty="0" err="1">
+                          <a:solidFill>
+                            <a:srgbClr val="102A43"/>
+                          </a:solidFill>
                           <a:latin typeface="Rajdhani Medium" panose="02000000000000000000" pitchFamily="2" charset="0"/>
                           <a:cs typeface="Rajdhani Medium" panose="02000000000000000000" pitchFamily="2" charset="0"/>
                         </a:rPr>
@@ -14318,6 +14908,9 @@
                       </a:r>
                       <a:r>
                         <a:rPr lang="en-GB" sz="2000" dirty="0">
+                          <a:solidFill>
+                            <a:srgbClr val="102A43"/>
+                          </a:solidFill>
                           <a:latin typeface="Rajdhani Medium" panose="02000000000000000000" pitchFamily="2" charset="0"/>
                           <a:cs typeface="Rajdhani Medium" panose="02000000000000000000" pitchFamily="2" charset="0"/>
                         </a:rPr>
@@ -14325,6 +14918,9 @@
                       </a:r>
                       <a:r>
                         <a:rPr lang="en-GB" sz="2000" dirty="0" err="1">
+                          <a:solidFill>
+                            <a:srgbClr val="102A43"/>
+                          </a:solidFill>
                           <a:latin typeface="Rajdhani Medium" panose="02000000000000000000" pitchFamily="2" charset="0"/>
                           <a:cs typeface="Rajdhani Medium" panose="02000000000000000000" pitchFamily="2" charset="0"/>
                         </a:rPr>
@@ -14332,6 +14928,9 @@
                       </a:r>
                       <a:r>
                         <a:rPr lang="en-GB" sz="2000" dirty="0">
+                          <a:solidFill>
+                            <a:srgbClr val="102A43"/>
+                          </a:solidFill>
                           <a:latin typeface="Rajdhani Medium" panose="02000000000000000000" pitchFamily="2" charset="0"/>
                           <a:cs typeface="Rajdhani Medium" panose="02000000000000000000" pitchFamily="2" charset="0"/>
                         </a:rPr>
@@ -14339,6 +14938,9 @@
                       </a:r>
                       <a:r>
                         <a:rPr lang="en-GB" sz="2000" dirty="0" err="1">
+                          <a:solidFill>
+                            <a:srgbClr val="102A43"/>
+                          </a:solidFill>
                           <a:latin typeface="Rajdhani Medium" panose="02000000000000000000" pitchFamily="2" charset="0"/>
                           <a:cs typeface="Rajdhani Medium" panose="02000000000000000000" pitchFamily="2" charset="0"/>
                         </a:rPr>
@@ -14346,6 +14948,9 @@
                       </a:r>
                       <a:r>
                         <a:rPr lang="en-GB" sz="2000" dirty="0">
+                          <a:solidFill>
+                            <a:srgbClr val="102A43"/>
+                          </a:solidFill>
                           <a:latin typeface="Rajdhani Medium" panose="02000000000000000000" pitchFamily="2" charset="0"/>
                           <a:cs typeface="Rajdhani Medium" panose="02000000000000000000" pitchFamily="2" charset="0"/>
                         </a:rPr>
@@ -14353,6 +14958,9 @@
                       </a:r>
                       <a:r>
                         <a:rPr lang="en-GB" sz="2000" dirty="0" err="1">
+                          <a:solidFill>
+                            <a:srgbClr val="102A43"/>
+                          </a:solidFill>
                           <a:latin typeface="Rajdhani Medium" panose="02000000000000000000" pitchFamily="2" charset="0"/>
                           <a:cs typeface="Rajdhani Medium" panose="02000000000000000000" pitchFamily="2" charset="0"/>
                         </a:rPr>
@@ -14360,6 +14968,9 @@
                       </a:r>
                       <a:r>
                         <a:rPr lang="en-GB" sz="2000" dirty="0">
+                          <a:solidFill>
+                            <a:srgbClr val="102A43"/>
+                          </a:solidFill>
                           <a:latin typeface="Rajdhani Medium" panose="02000000000000000000" pitchFamily="2" charset="0"/>
                           <a:cs typeface="Rajdhani Medium" panose="02000000000000000000" pitchFamily="2" charset="0"/>
                         </a:rPr>
@@ -14367,6 +14978,9 @@
                       </a:r>
                       <a:r>
                         <a:rPr lang="en-GB" sz="2000" dirty="0" err="1">
+                          <a:solidFill>
+                            <a:srgbClr val="102A43"/>
+                          </a:solidFill>
                           <a:latin typeface="Rajdhani Medium" panose="02000000000000000000" pitchFamily="2" charset="0"/>
                           <a:cs typeface="Rajdhani Medium" panose="02000000000000000000" pitchFamily="2" charset="0"/>
                         </a:rPr>
@@ -14374,6 +14988,9 @@
                       </a:r>
                       <a:r>
                         <a:rPr lang="en-GB" sz="2000" dirty="0">
+                          <a:solidFill>
+                            <a:srgbClr val="102A43"/>
+                          </a:solidFill>
                           <a:latin typeface="Rajdhani Medium" panose="02000000000000000000" pitchFamily="2" charset="0"/>
                           <a:cs typeface="Rajdhani Medium" panose="02000000000000000000" pitchFamily="2" charset="0"/>
                         </a:rPr>
@@ -14381,6 +14998,9 @@
                       </a:r>
                       <a:r>
                         <a:rPr lang="en-GB" sz="2000" dirty="0" err="1">
+                          <a:solidFill>
+                            <a:srgbClr val="102A43"/>
+                          </a:solidFill>
                           <a:latin typeface="Rajdhani Medium" panose="02000000000000000000" pitchFamily="2" charset="0"/>
                           <a:cs typeface="Rajdhani Medium" panose="02000000000000000000" pitchFamily="2" charset="0"/>
                         </a:rPr>
@@ -14388,6 +15008,9 @@
                       </a:r>
                       <a:r>
                         <a:rPr lang="en-GB" sz="2000" dirty="0">
+                          <a:solidFill>
+                            <a:srgbClr val="102A43"/>
+                          </a:solidFill>
                           <a:latin typeface="Rajdhani Medium" panose="02000000000000000000" pitchFamily="2" charset="0"/>
                           <a:cs typeface="Rajdhani Medium" panose="02000000000000000000" pitchFamily="2" charset="0"/>
                         </a:rPr>
@@ -14395,6 +15018,9 @@
                       </a:r>
                       <a:r>
                         <a:rPr lang="en-GB" sz="2000" dirty="0" err="1">
+                          <a:solidFill>
+                            <a:srgbClr val="102A43"/>
+                          </a:solidFill>
                           <a:latin typeface="Rajdhani Medium" panose="02000000000000000000" pitchFamily="2" charset="0"/>
                           <a:cs typeface="Rajdhani Medium" panose="02000000000000000000" pitchFamily="2" charset="0"/>
                         </a:rPr>
@@ -14402,6 +15028,9 @@
                       </a:r>
                       <a:r>
                         <a:rPr lang="en-GB" sz="2000" dirty="0">
+                          <a:solidFill>
+                            <a:srgbClr val="102A43"/>
+                          </a:solidFill>
                           <a:latin typeface="Rajdhani Medium" panose="02000000000000000000" pitchFamily="2" charset="0"/>
                           <a:cs typeface="Rajdhani Medium" panose="02000000000000000000" pitchFamily="2" charset="0"/>
                         </a:rPr>
@@ -14409,6 +15038,9 @@
                       </a:r>
                       <a:r>
                         <a:rPr lang="en-GB" sz="2000" dirty="0" err="1">
+                          <a:solidFill>
+                            <a:srgbClr val="102A43"/>
+                          </a:solidFill>
                           <a:latin typeface="Rajdhani Medium" panose="02000000000000000000" pitchFamily="2" charset="0"/>
                           <a:cs typeface="Rajdhani Medium" panose="02000000000000000000" pitchFamily="2" charset="0"/>
                         </a:rPr>
@@ -14416,6 +15048,9 @@
                       </a:r>
                       <a:r>
                         <a:rPr lang="en-GB" sz="2000" dirty="0">
+                          <a:solidFill>
+                            <a:srgbClr val="102A43"/>
+                          </a:solidFill>
                           <a:latin typeface="Rajdhani Medium" panose="02000000000000000000" pitchFamily="2" charset="0"/>
                           <a:cs typeface="Rajdhani Medium" panose="02000000000000000000" pitchFamily="2" charset="0"/>
                         </a:rPr>
@@ -14423,6 +15058,9 @@
                       </a:r>
                       <a:r>
                         <a:rPr lang="en-GB" sz="2000" dirty="0" err="1">
+                          <a:solidFill>
+                            <a:srgbClr val="102A43"/>
+                          </a:solidFill>
                           <a:latin typeface="Rajdhani Medium" panose="02000000000000000000" pitchFamily="2" charset="0"/>
                           <a:cs typeface="Rajdhani Medium" panose="02000000000000000000" pitchFamily="2" charset="0"/>
                         </a:rPr>
@@ -14430,6 +15068,9 @@
                       </a:r>
                       <a:r>
                         <a:rPr lang="en-GB" sz="2000" dirty="0">
+                          <a:solidFill>
+                            <a:srgbClr val="102A43"/>
+                          </a:solidFill>
                           <a:latin typeface="Rajdhani Medium" panose="02000000000000000000" pitchFamily="2" charset="0"/>
                           <a:cs typeface="Rajdhani Medium" panose="02000000000000000000" pitchFamily="2" charset="0"/>
                         </a:rPr>
@@ -14437,6 +15078,9 @@
                       </a:r>
                       <a:r>
                         <a:rPr lang="en-GB" sz="2000" dirty="0" err="1">
+                          <a:solidFill>
+                            <a:srgbClr val="102A43"/>
+                          </a:solidFill>
                           <a:latin typeface="Rajdhani Medium" panose="02000000000000000000" pitchFamily="2" charset="0"/>
                           <a:cs typeface="Rajdhani Medium" panose="02000000000000000000" pitchFamily="2" charset="0"/>
                         </a:rPr>
@@ -14444,6 +15088,9 @@
                       </a:r>
                       <a:r>
                         <a:rPr lang="en-GB" sz="2000" dirty="0">
+                          <a:solidFill>
+                            <a:srgbClr val="102A43"/>
+                          </a:solidFill>
                           <a:latin typeface="Rajdhani Medium" panose="02000000000000000000" pitchFamily="2" charset="0"/>
                           <a:cs typeface="Rajdhani Medium" panose="02000000000000000000" pitchFamily="2" charset="0"/>
                         </a:rPr>
@@ -14451,12 +15098,18 @@
                       </a:r>
                       <a:r>
                         <a:rPr lang="en-GB" sz="2000" dirty="0" err="1">
+                          <a:solidFill>
+                            <a:srgbClr val="102A43"/>
+                          </a:solidFill>
                           <a:latin typeface="Rajdhani Medium" panose="02000000000000000000" pitchFamily="2" charset="0"/>
                           <a:cs typeface="Rajdhani Medium" panose="02000000000000000000" pitchFamily="2" charset="0"/>
                         </a:rPr>
                         <a:t>učinak</a:t>
                       </a:r>
                       <a:endParaRPr lang="en-GB" sz="2000" dirty="0">
+                        <a:solidFill>
+                          <a:srgbClr val="102A43"/>
+                        </a:solidFill>
                         <a:latin typeface="Rajdhani Medium" panose="02000000000000000000" pitchFamily="2" charset="0"/>
                         <a:cs typeface="Rajdhani Medium" panose="02000000000000000000" pitchFamily="2" charset="0"/>
                       </a:endParaRPr>
@@ -14923,7 +15576,13 @@
           <p:cNvGraphicFramePr>
             <a:graphicFrameLocks noGrp="1"/>
           </p:cNvGraphicFramePr>
-          <p:nvPr/>
+          <p:nvPr>
+            <p:extLst>
+              <p:ext uri="{D42A27DB-BD31-4B8C-83A1-F6EECF244321}">
+                <p14:modId xmlns:p14="http://schemas.microsoft.com/office/powerpoint/2010/main" val="572326625"/>
+              </p:ext>
+            </p:extLst>
+          </p:nvPr>
         </p:nvGraphicFramePr>
         <p:xfrm>
           <a:off x="1960884" y="1590658"/>
@@ -15087,6 +15746,9 @@
                     <a:p>
                       <a:r>
                         <a:rPr lang="en-GB" sz="2000" dirty="0">
+                          <a:solidFill>
+                            <a:srgbClr val="102A43"/>
+                          </a:solidFill>
                           <a:latin typeface="Rajdhani Medium" panose="02000000000000000000" pitchFamily="2" charset="0"/>
                           <a:cs typeface="Rajdhani Medium" panose="02000000000000000000" pitchFamily="2" charset="0"/>
                         </a:rPr>
@@ -15140,12 +15802,18 @@
                     <a:p>
                       <a:r>
                         <a:rPr lang="pl-PL" sz="2000" dirty="0">
+                          <a:solidFill>
+                            <a:srgbClr val="102A43"/>
+                          </a:solidFill>
                           <a:latin typeface="Rajdhani Medium" panose="02000000000000000000" pitchFamily="2" charset="0"/>
                           <a:cs typeface="Rajdhani Medium" panose="02000000000000000000" pitchFamily="2" charset="0"/>
                         </a:rPr>
                         <a:t>Podrška za prikaz na desktop i mobilnim uređajima</a:t>
                       </a:r>
                       <a:endParaRPr lang="en-GB" sz="2000" dirty="0">
+                        <a:solidFill>
+                          <a:srgbClr val="102A43"/>
+                        </a:solidFill>
                         <a:latin typeface="Rajdhani Medium" panose="02000000000000000000" pitchFamily="2" charset="0"/>
                         <a:cs typeface="Rajdhani Medium" panose="02000000000000000000" pitchFamily="2" charset="0"/>
                       </a:endParaRPr>
@@ -15204,6 +15872,9 @@
                     <a:p>
                       <a:r>
                         <a:rPr lang="en-GB" sz="2000" dirty="0">
+                          <a:solidFill>
+                            <a:srgbClr val="102A43"/>
+                          </a:solidFill>
                           <a:latin typeface="Rajdhani Medium" panose="02000000000000000000" pitchFamily="2" charset="0"/>
                           <a:cs typeface="Rajdhani Medium" panose="02000000000000000000" pitchFamily="2" charset="0"/>
                         </a:rPr>
@@ -15257,6 +15928,9 @@
                     <a:p>
                       <a:r>
                         <a:rPr lang="en-GB" sz="2000" dirty="0" err="1">
+                          <a:solidFill>
+                            <a:srgbClr val="102A43"/>
+                          </a:solidFill>
                           <a:latin typeface="Rajdhani Medium" panose="02000000000000000000" pitchFamily="2" charset="0"/>
                           <a:cs typeface="Rajdhani Medium" panose="02000000000000000000" pitchFamily="2" charset="0"/>
                         </a:rPr>
@@ -15264,6 +15938,9 @@
                       </a:r>
                       <a:r>
                         <a:rPr lang="en-GB" sz="2000" dirty="0">
+                          <a:solidFill>
+                            <a:srgbClr val="102A43"/>
+                          </a:solidFill>
                           <a:latin typeface="Rajdhani Medium" panose="02000000000000000000" pitchFamily="2" charset="0"/>
                           <a:cs typeface="Rajdhani Medium" panose="02000000000000000000" pitchFamily="2" charset="0"/>
                         </a:rPr>
@@ -15271,6 +15948,9 @@
                       </a:r>
                       <a:r>
                         <a:rPr lang="en-GB" sz="2000" dirty="0" err="1">
+                          <a:solidFill>
+                            <a:srgbClr val="102A43"/>
+                          </a:solidFill>
                           <a:latin typeface="Rajdhani Medium" panose="02000000000000000000" pitchFamily="2" charset="0"/>
                           <a:cs typeface="Rajdhani Medium" panose="02000000000000000000" pitchFamily="2" charset="0"/>
                         </a:rPr>
@@ -15278,6 +15958,9 @@
                       </a:r>
                       <a:r>
                         <a:rPr lang="en-GB" sz="2000" dirty="0">
+                          <a:solidFill>
+                            <a:srgbClr val="102A43"/>
+                          </a:solidFill>
                           <a:latin typeface="Rajdhani Medium" panose="02000000000000000000" pitchFamily="2" charset="0"/>
                           <a:cs typeface="Rajdhani Medium" panose="02000000000000000000" pitchFamily="2" charset="0"/>
                         </a:rPr>
@@ -15285,6 +15968,9 @@
                       </a:r>
                       <a:r>
                         <a:rPr lang="en-GB" sz="2000" dirty="0" err="1">
+                          <a:solidFill>
+                            <a:srgbClr val="102A43"/>
+                          </a:solidFill>
                           <a:latin typeface="Rajdhani Medium" panose="02000000000000000000" pitchFamily="2" charset="0"/>
                           <a:cs typeface="Rajdhani Medium" panose="02000000000000000000" pitchFamily="2" charset="0"/>
                         </a:rPr>
@@ -15292,6 +15978,9 @@
                       </a:r>
                       <a:r>
                         <a:rPr lang="en-GB" sz="2000" dirty="0">
+                          <a:solidFill>
+                            <a:srgbClr val="102A43"/>
+                          </a:solidFill>
                           <a:latin typeface="Rajdhani Medium" panose="02000000000000000000" pitchFamily="2" charset="0"/>
                           <a:cs typeface="Rajdhani Medium" panose="02000000000000000000" pitchFamily="2" charset="0"/>
                         </a:rPr>
@@ -15299,6 +15988,9 @@
                       </a:r>
                       <a:r>
                         <a:rPr lang="en-GB" sz="2000" dirty="0" err="1">
+                          <a:solidFill>
+                            <a:srgbClr val="102A43"/>
+                          </a:solidFill>
                           <a:latin typeface="Rajdhani Medium" panose="02000000000000000000" pitchFamily="2" charset="0"/>
                           <a:cs typeface="Rajdhani Medium" panose="02000000000000000000" pitchFamily="2" charset="0"/>
                         </a:rPr>
@@ -15306,6 +15998,9 @@
                       </a:r>
                       <a:r>
                         <a:rPr lang="en-GB" sz="2000" dirty="0">
+                          <a:solidFill>
+                            <a:srgbClr val="102A43"/>
+                          </a:solidFill>
                           <a:latin typeface="Rajdhani Medium" panose="02000000000000000000" pitchFamily="2" charset="0"/>
                           <a:cs typeface="Rajdhani Medium" panose="02000000000000000000" pitchFamily="2" charset="0"/>
                         </a:rPr>
@@ -15313,6 +16008,9 @@
                       </a:r>
                       <a:r>
                         <a:rPr lang="en-GB" sz="2000" dirty="0" err="1">
+                          <a:solidFill>
+                            <a:srgbClr val="102A43"/>
+                          </a:solidFill>
                           <a:latin typeface="Rajdhani Medium" panose="02000000000000000000" pitchFamily="2" charset="0"/>
                           <a:cs typeface="Rajdhani Medium" panose="02000000000000000000" pitchFamily="2" charset="0"/>
                         </a:rPr>
@@ -15320,6 +16018,9 @@
                       </a:r>
                       <a:r>
                         <a:rPr lang="en-GB" sz="2000" dirty="0">
+                          <a:solidFill>
+                            <a:srgbClr val="102A43"/>
+                          </a:solidFill>
                           <a:latin typeface="Rajdhani Medium" panose="02000000000000000000" pitchFamily="2" charset="0"/>
                           <a:cs typeface="Rajdhani Medium" panose="02000000000000000000" pitchFamily="2" charset="0"/>
                         </a:rPr>
@@ -15327,6 +16028,9 @@
                       </a:r>
                       <a:r>
                         <a:rPr lang="en-GB" sz="2000" dirty="0" err="1">
+                          <a:solidFill>
+                            <a:srgbClr val="102A43"/>
+                          </a:solidFill>
                           <a:latin typeface="Rajdhani Medium" panose="02000000000000000000" pitchFamily="2" charset="0"/>
                           <a:cs typeface="Rajdhani Medium" panose="02000000000000000000" pitchFamily="2" charset="0"/>
                         </a:rPr>
@@ -15334,6 +16038,9 @@
                       </a:r>
                       <a:r>
                         <a:rPr lang="en-GB" sz="2000" dirty="0">
+                          <a:solidFill>
+                            <a:srgbClr val="102A43"/>
+                          </a:solidFill>
                           <a:latin typeface="Rajdhani Medium" panose="02000000000000000000" pitchFamily="2" charset="0"/>
                           <a:cs typeface="Rajdhani Medium" panose="02000000000000000000" pitchFamily="2" charset="0"/>
                         </a:rPr>
@@ -15341,6 +16048,9 @@
                       </a:r>
                       <a:r>
                         <a:rPr lang="en-GB" sz="2000" dirty="0" err="1">
+                          <a:solidFill>
+                            <a:srgbClr val="102A43"/>
+                          </a:solidFill>
                           <a:latin typeface="Rajdhani Medium" panose="02000000000000000000" pitchFamily="2" charset="0"/>
                           <a:cs typeface="Rajdhani Medium" panose="02000000000000000000" pitchFamily="2" charset="0"/>
                         </a:rPr>
@@ -15348,6 +16058,9 @@
                       </a:r>
                       <a:r>
                         <a:rPr lang="en-GB" sz="2000" dirty="0">
+                          <a:solidFill>
+                            <a:srgbClr val="102A43"/>
+                          </a:solidFill>
                           <a:latin typeface="Rajdhani Medium" panose="02000000000000000000" pitchFamily="2" charset="0"/>
                           <a:cs typeface="Rajdhani Medium" panose="02000000000000000000" pitchFamily="2" charset="0"/>
                         </a:rPr>
@@ -15355,6 +16068,9 @@
                       </a:r>
                       <a:r>
                         <a:rPr lang="en-GB" sz="2000" dirty="0" err="1">
+                          <a:solidFill>
+                            <a:srgbClr val="102A43"/>
+                          </a:solidFill>
                           <a:latin typeface="Rajdhani Medium" panose="02000000000000000000" pitchFamily="2" charset="0"/>
                           <a:cs typeface="Rajdhani Medium" panose="02000000000000000000" pitchFamily="2" charset="0"/>
                         </a:rPr>
@@ -15362,6 +16078,9 @@
                       </a:r>
                       <a:r>
                         <a:rPr lang="en-GB" sz="2000" dirty="0">
+                          <a:solidFill>
+                            <a:srgbClr val="102A43"/>
+                          </a:solidFill>
                           <a:latin typeface="Rajdhani Medium" panose="02000000000000000000" pitchFamily="2" charset="0"/>
                           <a:cs typeface="Rajdhani Medium" panose="02000000000000000000" pitchFamily="2" charset="0"/>
                         </a:rPr>
@@ -15369,6 +16088,9 @@
                       </a:r>
                       <a:r>
                         <a:rPr lang="en-GB" sz="2000" dirty="0" err="1">
+                          <a:solidFill>
+                            <a:srgbClr val="102A43"/>
+                          </a:solidFill>
                           <a:latin typeface="Rajdhani Medium" panose="02000000000000000000" pitchFamily="2" charset="0"/>
                           <a:cs typeface="Rajdhani Medium" panose="02000000000000000000" pitchFamily="2" charset="0"/>
                         </a:rPr>
@@ -15376,6 +16098,9 @@
                       </a:r>
                       <a:r>
                         <a:rPr lang="en-GB" sz="2000" dirty="0">
+                          <a:solidFill>
+                            <a:srgbClr val="102A43"/>
+                          </a:solidFill>
                           <a:latin typeface="Rajdhani Medium" panose="02000000000000000000" pitchFamily="2" charset="0"/>
                           <a:cs typeface="Rajdhani Medium" panose="02000000000000000000" pitchFamily="2" charset="0"/>
                         </a:rPr>
@@ -15383,6 +16108,9 @@
                       </a:r>
                       <a:r>
                         <a:rPr lang="en-GB" sz="2000" dirty="0" err="1">
+                          <a:solidFill>
+                            <a:srgbClr val="102A43"/>
+                          </a:solidFill>
                           <a:latin typeface="Rajdhani Medium" panose="02000000000000000000" pitchFamily="2" charset="0"/>
                           <a:cs typeface="Rajdhani Medium" panose="02000000000000000000" pitchFamily="2" charset="0"/>
                         </a:rPr>
@@ -15390,6 +16118,9 @@
                       </a:r>
                       <a:r>
                         <a:rPr lang="en-GB" sz="2000" dirty="0">
+                          <a:solidFill>
+                            <a:srgbClr val="102A43"/>
+                          </a:solidFill>
                           <a:latin typeface="Rajdhani Medium" panose="02000000000000000000" pitchFamily="2" charset="0"/>
                           <a:cs typeface="Rajdhani Medium" panose="02000000000000000000" pitchFamily="2" charset="0"/>
                         </a:rPr>
@@ -15397,6 +16128,9 @@
                       </a:r>
                       <a:r>
                         <a:rPr lang="en-GB" sz="2000" dirty="0" err="1">
+                          <a:solidFill>
+                            <a:srgbClr val="102A43"/>
+                          </a:solidFill>
                           <a:latin typeface="Rajdhani Medium" panose="02000000000000000000" pitchFamily="2" charset="0"/>
                           <a:cs typeface="Rajdhani Medium" panose="02000000000000000000" pitchFamily="2" charset="0"/>
                         </a:rPr>
@@ -15404,6 +16138,9 @@
                       </a:r>
                       <a:r>
                         <a:rPr lang="en-GB" sz="2000" dirty="0">
+                          <a:solidFill>
+                            <a:srgbClr val="102A43"/>
+                          </a:solidFill>
                           <a:latin typeface="Rajdhani Medium" panose="02000000000000000000" pitchFamily="2" charset="0"/>
                           <a:cs typeface="Rajdhani Medium" panose="02000000000000000000" pitchFamily="2" charset="0"/>
                         </a:rPr>
@@ -15464,6 +16201,9 @@
                     <a:p>
                       <a:r>
                         <a:rPr lang="en-GB" sz="2000" dirty="0">
+                          <a:solidFill>
+                            <a:srgbClr val="102A43"/>
+                          </a:solidFill>
                           <a:latin typeface="Rajdhani Medium" panose="02000000000000000000" pitchFamily="2" charset="0"/>
                           <a:cs typeface="Rajdhani Medium" panose="02000000000000000000" pitchFamily="2" charset="0"/>
                         </a:rPr>
@@ -15517,6 +16257,9 @@
                     <a:p>
                       <a:r>
                         <a:rPr lang="en-GB" sz="2000" dirty="0" err="1">
+                          <a:solidFill>
+                            <a:srgbClr val="102A43"/>
+                          </a:solidFill>
                           <a:latin typeface="Rajdhani Medium" panose="02000000000000000000" pitchFamily="2" charset="0"/>
                           <a:cs typeface="Rajdhani Medium" panose="02000000000000000000" pitchFamily="2" charset="0"/>
                         </a:rPr>
@@ -15524,6 +16267,9 @@
                       </a:r>
                       <a:r>
                         <a:rPr lang="en-GB" sz="2000" dirty="0">
+                          <a:solidFill>
+                            <a:srgbClr val="102A43"/>
+                          </a:solidFill>
                           <a:latin typeface="Rajdhani Medium" panose="02000000000000000000" pitchFamily="2" charset="0"/>
                           <a:cs typeface="Rajdhani Medium" panose="02000000000000000000" pitchFamily="2" charset="0"/>
                         </a:rPr>
@@ -15531,6 +16277,9 @@
                       </a:r>
                       <a:r>
                         <a:rPr lang="en-GB" sz="2000" dirty="0" err="1">
+                          <a:solidFill>
+                            <a:srgbClr val="102A43"/>
+                          </a:solidFill>
                           <a:latin typeface="Rajdhani Medium" panose="02000000000000000000" pitchFamily="2" charset="0"/>
                           <a:cs typeface="Rajdhani Medium" panose="02000000000000000000" pitchFamily="2" charset="0"/>
                         </a:rPr>
@@ -15538,6 +16287,9 @@
                       </a:r>
                       <a:r>
                         <a:rPr lang="en-GB" sz="2000" dirty="0">
+                          <a:solidFill>
+                            <a:srgbClr val="102A43"/>
+                          </a:solidFill>
                           <a:latin typeface="Rajdhani Medium" panose="02000000000000000000" pitchFamily="2" charset="0"/>
                           <a:cs typeface="Rajdhani Medium" panose="02000000000000000000" pitchFamily="2" charset="0"/>
                         </a:rPr>
@@ -15545,12 +16297,18 @@
                       </a:r>
                       <a:r>
                         <a:rPr lang="en-GB" sz="2000" dirty="0" err="1">
+                          <a:solidFill>
+                            <a:srgbClr val="102A43"/>
+                          </a:solidFill>
                           <a:latin typeface="Rajdhani Medium" panose="02000000000000000000" pitchFamily="2" charset="0"/>
                           <a:cs typeface="Rajdhani Medium" panose="02000000000000000000" pitchFamily="2" charset="0"/>
                         </a:rPr>
                         <a:t>podataka</a:t>
                       </a:r>
                       <a:endParaRPr lang="en-GB" sz="2000" dirty="0">
+                        <a:solidFill>
+                          <a:srgbClr val="102A43"/>
+                        </a:solidFill>
                         <a:latin typeface="Rajdhani Medium" panose="02000000000000000000" pitchFamily="2" charset="0"/>
                         <a:cs typeface="Rajdhani Medium" panose="02000000000000000000" pitchFamily="2" charset="0"/>
                       </a:endParaRPr>
@@ -15609,6 +16367,9 @@
                     <a:p>
                       <a:r>
                         <a:rPr lang="en-GB" sz="2000" dirty="0">
+                          <a:solidFill>
+                            <a:srgbClr val="102A43"/>
+                          </a:solidFill>
                           <a:latin typeface="Rajdhani Medium" panose="02000000000000000000" pitchFamily="2" charset="0"/>
                           <a:cs typeface="Rajdhani Medium" panose="02000000000000000000" pitchFamily="2" charset="0"/>
                         </a:rPr>
@@ -15662,6 +16423,9 @@
                     <a:p>
                       <a:r>
                         <a:rPr lang="en-GB" sz="2000" dirty="0" err="1">
+                          <a:solidFill>
+                            <a:srgbClr val="102A43"/>
+                          </a:solidFill>
                           <a:latin typeface="Rajdhani Medium" panose="02000000000000000000" pitchFamily="2" charset="0"/>
                           <a:cs typeface="Rajdhani Medium" panose="02000000000000000000" pitchFamily="2" charset="0"/>
                         </a:rPr>
@@ -15669,6 +16433,9 @@
                       </a:r>
                       <a:r>
                         <a:rPr lang="en-GB" sz="2000" dirty="0">
+                          <a:solidFill>
+                            <a:srgbClr val="102A43"/>
+                          </a:solidFill>
                           <a:latin typeface="Rajdhani Medium" panose="02000000000000000000" pitchFamily="2" charset="0"/>
                           <a:cs typeface="Rajdhani Medium" panose="02000000000000000000" pitchFamily="2" charset="0"/>
                         </a:rPr>
@@ -15676,6 +16443,9 @@
                       </a:r>
                       <a:r>
                         <a:rPr lang="en-GB" sz="2000" dirty="0" err="1">
+                          <a:solidFill>
+                            <a:srgbClr val="102A43"/>
+                          </a:solidFill>
                           <a:latin typeface="Rajdhani Medium" panose="02000000000000000000" pitchFamily="2" charset="0"/>
                           <a:cs typeface="Rajdhani Medium" panose="02000000000000000000" pitchFamily="2" charset="0"/>
                         </a:rPr>
@@ -15683,6 +16453,9 @@
                       </a:r>
                       <a:r>
                         <a:rPr lang="en-GB" sz="2000" dirty="0">
+                          <a:solidFill>
+                            <a:srgbClr val="102A43"/>
+                          </a:solidFill>
                           <a:latin typeface="Rajdhani Medium" panose="02000000000000000000" pitchFamily="2" charset="0"/>
                           <a:cs typeface="Rajdhani Medium" panose="02000000000000000000" pitchFamily="2" charset="0"/>
                         </a:rPr>
@@ -15690,6 +16463,9 @@
                       </a:r>
                       <a:r>
                         <a:rPr lang="en-GB" sz="2000" dirty="0" err="1">
+                          <a:solidFill>
+                            <a:srgbClr val="102A43"/>
+                          </a:solidFill>
                           <a:latin typeface="Rajdhani Medium" panose="02000000000000000000" pitchFamily="2" charset="0"/>
                           <a:cs typeface="Rajdhani Medium" panose="02000000000000000000" pitchFamily="2" charset="0"/>
                         </a:rPr>
@@ -15697,6 +16473,9 @@
                       </a:r>
                       <a:r>
                         <a:rPr lang="en-GB" sz="2000" dirty="0">
+                          <a:solidFill>
+                            <a:srgbClr val="102A43"/>
+                          </a:solidFill>
                           <a:latin typeface="Rajdhani Medium" panose="02000000000000000000" pitchFamily="2" charset="0"/>
                           <a:cs typeface="Rajdhani Medium" panose="02000000000000000000" pitchFamily="2" charset="0"/>
                         </a:rPr>
@@ -15704,6 +16483,9 @@
                       </a:r>
                       <a:r>
                         <a:rPr lang="en-GB" sz="2000" dirty="0" err="1">
+                          <a:solidFill>
+                            <a:srgbClr val="102A43"/>
+                          </a:solidFill>
                           <a:latin typeface="Rajdhani Medium" panose="02000000000000000000" pitchFamily="2" charset="0"/>
                           <a:cs typeface="Rajdhani Medium" panose="02000000000000000000" pitchFamily="2" charset="0"/>
                         </a:rPr>
@@ -15711,6 +16493,9 @@
                       </a:r>
                       <a:r>
                         <a:rPr lang="en-GB" sz="2000" dirty="0">
+                          <a:solidFill>
+                            <a:srgbClr val="102A43"/>
+                          </a:solidFill>
                           <a:latin typeface="Rajdhani Medium" panose="02000000000000000000" pitchFamily="2" charset="0"/>
                           <a:cs typeface="Rajdhani Medium" panose="02000000000000000000" pitchFamily="2" charset="0"/>
                         </a:rPr>
@@ -15718,6 +16503,9 @@
                       </a:r>
                       <a:r>
                         <a:rPr lang="en-GB" sz="2000" dirty="0" err="1">
+                          <a:solidFill>
+                            <a:srgbClr val="102A43"/>
+                          </a:solidFill>
                           <a:latin typeface="Rajdhani Medium" panose="02000000000000000000" pitchFamily="2" charset="0"/>
                           <a:cs typeface="Rajdhani Medium" panose="02000000000000000000" pitchFamily="2" charset="0"/>
                         </a:rPr>
@@ -15725,6 +16513,9 @@
                       </a:r>
                       <a:r>
                         <a:rPr lang="en-GB" sz="2000" dirty="0">
+                          <a:solidFill>
+                            <a:srgbClr val="102A43"/>
+                          </a:solidFill>
                           <a:latin typeface="Rajdhani Medium" panose="02000000000000000000" pitchFamily="2" charset="0"/>
                           <a:cs typeface="Rajdhani Medium" panose="02000000000000000000" pitchFamily="2" charset="0"/>
                         </a:rPr>
@@ -15732,6 +16523,9 @@
                       </a:r>
                       <a:r>
                         <a:rPr lang="en-GB" sz="2000" dirty="0" err="1">
+                          <a:solidFill>
+                            <a:srgbClr val="102A43"/>
+                          </a:solidFill>
                           <a:latin typeface="Rajdhani Medium" panose="02000000000000000000" pitchFamily="2" charset="0"/>
                           <a:cs typeface="Rajdhani Medium" panose="02000000000000000000" pitchFamily="2" charset="0"/>
                         </a:rPr>
@@ -15739,6 +16533,9 @@
                       </a:r>
                       <a:r>
                         <a:rPr lang="en-GB" sz="2000" dirty="0">
+                          <a:solidFill>
+                            <a:srgbClr val="102A43"/>
+                          </a:solidFill>
                           <a:latin typeface="Rajdhani Medium" panose="02000000000000000000" pitchFamily="2" charset="0"/>
                           <a:cs typeface="Rajdhani Medium" panose="02000000000000000000" pitchFamily="2" charset="0"/>
                         </a:rPr>
@@ -15799,6 +16596,9 @@
                     <a:p>
                       <a:r>
                         <a:rPr lang="en-GB" sz="2000" dirty="0">
+                          <a:solidFill>
+                            <a:srgbClr val="102A43"/>
+                          </a:solidFill>
                           <a:latin typeface="Rajdhani Medium" panose="02000000000000000000" pitchFamily="2" charset="0"/>
                           <a:cs typeface="Rajdhani Medium" panose="02000000000000000000" pitchFamily="2" charset="0"/>
                         </a:rPr>
@@ -15852,6 +16652,9 @@
                     <a:p>
                       <a:r>
                         <a:rPr lang="en-GB" sz="2000" dirty="0" err="1">
+                          <a:solidFill>
+                            <a:srgbClr val="102A43"/>
+                          </a:solidFill>
                           <a:latin typeface="Rajdhani Medium" panose="02000000000000000000" pitchFamily="2" charset="0"/>
                           <a:cs typeface="Rajdhani Medium" panose="02000000000000000000" pitchFamily="2" charset="0"/>
                         </a:rPr>
@@ -15859,6 +16662,9 @@
                       </a:r>
                       <a:r>
                         <a:rPr lang="en-GB" sz="2000" dirty="0">
+                          <a:solidFill>
+                            <a:srgbClr val="102A43"/>
+                          </a:solidFill>
                           <a:latin typeface="Rajdhani Medium" panose="02000000000000000000" pitchFamily="2" charset="0"/>
                           <a:cs typeface="Rajdhani Medium" panose="02000000000000000000" pitchFamily="2" charset="0"/>
                         </a:rPr>
@@ -15866,6 +16672,9 @@
                       </a:r>
                       <a:r>
                         <a:rPr lang="en-GB" sz="2000" dirty="0" err="1">
+                          <a:solidFill>
+                            <a:srgbClr val="102A43"/>
+                          </a:solidFill>
                           <a:latin typeface="Rajdhani Medium" panose="02000000000000000000" pitchFamily="2" charset="0"/>
                           <a:cs typeface="Rajdhani Medium" panose="02000000000000000000" pitchFamily="2" charset="0"/>
                         </a:rPr>
@@ -15873,6 +16682,9 @@
                       </a:r>
                       <a:r>
                         <a:rPr lang="en-GB" sz="2000" dirty="0">
+                          <a:solidFill>
+                            <a:srgbClr val="102A43"/>
+                          </a:solidFill>
                           <a:latin typeface="Rajdhani Medium" panose="02000000000000000000" pitchFamily="2" charset="0"/>
                           <a:cs typeface="Rajdhani Medium" panose="02000000000000000000" pitchFamily="2" charset="0"/>
                         </a:rPr>
@@ -15880,6 +16692,9 @@
                       </a:r>
                       <a:r>
                         <a:rPr lang="en-GB" sz="2000" dirty="0" err="1">
+                          <a:solidFill>
+                            <a:srgbClr val="102A43"/>
+                          </a:solidFill>
                           <a:latin typeface="Rajdhani Medium" panose="02000000000000000000" pitchFamily="2" charset="0"/>
                           <a:cs typeface="Rajdhani Medium" panose="02000000000000000000" pitchFamily="2" charset="0"/>
                         </a:rPr>
@@ -15887,6 +16702,9 @@
                       </a:r>
                       <a:r>
                         <a:rPr lang="en-GB" sz="2000" dirty="0">
+                          <a:solidFill>
+                            <a:srgbClr val="102A43"/>
+                          </a:solidFill>
                           <a:latin typeface="Rajdhani Medium" panose="02000000000000000000" pitchFamily="2" charset="0"/>
                           <a:cs typeface="Rajdhani Medium" panose="02000000000000000000" pitchFamily="2" charset="0"/>
                         </a:rPr>
@@ -15894,6 +16712,9 @@
                       </a:r>
                       <a:r>
                         <a:rPr lang="en-GB" sz="2000" dirty="0" err="1">
+                          <a:solidFill>
+                            <a:srgbClr val="102A43"/>
+                          </a:solidFill>
                           <a:latin typeface="Rajdhani Medium" panose="02000000000000000000" pitchFamily="2" charset="0"/>
                           <a:cs typeface="Rajdhani Medium" panose="02000000000000000000" pitchFamily="2" charset="0"/>
                         </a:rPr>
@@ -15901,6 +16722,9 @@
                       </a:r>
                       <a:r>
                         <a:rPr lang="en-GB" sz="2000" dirty="0">
+                          <a:solidFill>
+                            <a:srgbClr val="102A43"/>
+                          </a:solidFill>
                           <a:latin typeface="Rajdhani Medium" panose="02000000000000000000" pitchFamily="2" charset="0"/>
                           <a:cs typeface="Rajdhani Medium" panose="02000000000000000000" pitchFamily="2" charset="0"/>
                         </a:rPr>
@@ -15908,6 +16732,9 @@
                       </a:r>
                       <a:r>
                         <a:rPr lang="en-GB" sz="2000" dirty="0" err="1">
+                          <a:solidFill>
+                            <a:srgbClr val="102A43"/>
+                          </a:solidFill>
                           <a:latin typeface="Rajdhani Medium" panose="02000000000000000000" pitchFamily="2" charset="0"/>
                           <a:cs typeface="Rajdhani Medium" panose="02000000000000000000" pitchFamily="2" charset="0"/>
                         </a:rPr>
@@ -15915,6 +16742,9 @@
                       </a:r>
                       <a:r>
                         <a:rPr lang="en-GB" sz="2000" dirty="0">
+                          <a:solidFill>
+                            <a:srgbClr val="102A43"/>
+                          </a:solidFill>
                           <a:latin typeface="Rajdhani Medium" panose="02000000000000000000" pitchFamily="2" charset="0"/>
                           <a:cs typeface="Rajdhani Medium" panose="02000000000000000000" pitchFamily="2" charset="0"/>
                         </a:rPr>
@@ -15922,6 +16752,9 @@
                       </a:r>
                       <a:r>
                         <a:rPr lang="en-GB" sz="2000" dirty="0" err="1">
+                          <a:solidFill>
+                            <a:srgbClr val="102A43"/>
+                          </a:solidFill>
                           <a:latin typeface="Rajdhani Medium" panose="02000000000000000000" pitchFamily="2" charset="0"/>
                           <a:cs typeface="Rajdhani Medium" panose="02000000000000000000" pitchFamily="2" charset="0"/>
                         </a:rPr>
@@ -15929,6 +16762,9 @@
                       </a:r>
                       <a:r>
                         <a:rPr lang="en-GB" sz="2000" dirty="0">
+                          <a:solidFill>
+                            <a:srgbClr val="102A43"/>
+                          </a:solidFill>
                           <a:latin typeface="Rajdhani Medium" panose="02000000000000000000" pitchFamily="2" charset="0"/>
                           <a:cs typeface="Rajdhani Medium" panose="02000000000000000000" pitchFamily="2" charset="0"/>
                         </a:rPr>
@@ -15936,6 +16772,9 @@
                       </a:r>
                       <a:r>
                         <a:rPr lang="en-GB" sz="2000" dirty="0" err="1">
+                          <a:solidFill>
+                            <a:srgbClr val="102A43"/>
+                          </a:solidFill>
                           <a:latin typeface="Rajdhani Medium" panose="02000000000000000000" pitchFamily="2" charset="0"/>
                           <a:cs typeface="Rajdhani Medium" panose="02000000000000000000" pitchFamily="2" charset="0"/>
                         </a:rPr>
@@ -15943,6 +16782,9 @@
                       </a:r>
                       <a:r>
                         <a:rPr lang="en-GB" sz="2000" dirty="0">
+                          <a:solidFill>
+                            <a:srgbClr val="102A43"/>
+                          </a:solidFill>
                           <a:latin typeface="Rajdhani Medium" panose="02000000000000000000" pitchFamily="2" charset="0"/>
                           <a:cs typeface="Rajdhani Medium" panose="02000000000000000000" pitchFamily="2" charset="0"/>
                         </a:rPr>
@@ -15950,6 +16792,9 @@
                       </a:r>
                       <a:r>
                         <a:rPr lang="en-GB" sz="2000" dirty="0" err="1">
+                          <a:solidFill>
+                            <a:srgbClr val="102A43"/>
+                          </a:solidFill>
                           <a:latin typeface="Rajdhani Medium" panose="02000000000000000000" pitchFamily="2" charset="0"/>
                           <a:cs typeface="Rajdhani Medium" panose="02000000000000000000" pitchFamily="2" charset="0"/>
                         </a:rPr>
@@ -15957,6 +16802,9 @@
                       </a:r>
                       <a:r>
                         <a:rPr lang="en-GB" sz="2000" dirty="0">
+                          <a:solidFill>
+                            <a:srgbClr val="102A43"/>
+                          </a:solidFill>
                           <a:latin typeface="Rajdhani Medium" panose="02000000000000000000" pitchFamily="2" charset="0"/>
                           <a:cs typeface="Rajdhani Medium" panose="02000000000000000000" pitchFamily="2" charset="0"/>
                         </a:rPr>
@@ -15964,6 +16812,9 @@
                       </a:r>
                       <a:r>
                         <a:rPr lang="en-GB" sz="2000" dirty="0" err="1">
+                          <a:solidFill>
+                            <a:srgbClr val="102A43"/>
+                          </a:solidFill>
                           <a:latin typeface="Rajdhani Medium" panose="02000000000000000000" pitchFamily="2" charset="0"/>
                           <a:cs typeface="Rajdhani Medium" panose="02000000000000000000" pitchFamily="2" charset="0"/>
                         </a:rPr>
@@ -15971,6 +16822,9 @@
                       </a:r>
                       <a:r>
                         <a:rPr lang="en-GB" sz="2000" dirty="0">
+                          <a:solidFill>
+                            <a:srgbClr val="102A43"/>
+                          </a:solidFill>
                           <a:latin typeface="Rajdhani Medium" panose="02000000000000000000" pitchFamily="2" charset="0"/>
                           <a:cs typeface="Rajdhani Medium" panose="02000000000000000000" pitchFamily="2" charset="0"/>
                         </a:rPr>
@@ -15978,6 +16832,9 @@
                       </a:r>
                       <a:r>
                         <a:rPr lang="en-GB" sz="2000" dirty="0" err="1">
+                          <a:solidFill>
+                            <a:srgbClr val="102A43"/>
+                          </a:solidFill>
                           <a:latin typeface="Rajdhani Medium" panose="02000000000000000000" pitchFamily="2" charset="0"/>
                           <a:cs typeface="Rajdhani Medium" panose="02000000000000000000" pitchFamily="2" charset="0"/>
                         </a:rPr>
@@ -15985,6 +16842,9 @@
                       </a:r>
                       <a:r>
                         <a:rPr lang="en-GB" sz="2000" dirty="0">
+                          <a:solidFill>
+                            <a:srgbClr val="102A43"/>
+                          </a:solidFill>
                           <a:latin typeface="Rajdhani Medium" panose="02000000000000000000" pitchFamily="2" charset="0"/>
                           <a:cs typeface="Rajdhani Medium" panose="02000000000000000000" pitchFamily="2" charset="0"/>
                         </a:rPr>
